--- a/Folien/WS5_Advanced-R.pptx
+++ b/Folien/WS5_Advanced-R.pptx
@@ -261,7 +261,7 @@
           <a:p>
             <a:fld id="{A4F87B00-D7D7-4E73-88E5-5DF5797B2681}" type="datetimeFigureOut">
               <a:rPr lang="de-AT" smtClean="0"/>
-              <a:t>29.06.2022</a:t>
+              <a:t>30.06.2022</a:t>
             </a:fld>
             <a:endParaRPr lang="de-AT" dirty="0"/>
           </a:p>
@@ -461,7 +461,7 @@
           <a:p>
             <a:fld id="{64F923B6-97FF-4AF0-A17D-1758840DBBE2}" type="datetimeFigureOut">
               <a:rPr lang="de-AT" smtClean="0"/>
-              <a:t>29.06.2022</a:t>
+              <a:t>30.06.2022</a:t>
             </a:fld>
             <a:endParaRPr lang="de-AT"/>
           </a:p>
@@ -11684,7 +11684,7 @@
         </p:spPr>
         <p:txBody>
           <a:bodyPr>
-            <a:normAutofit/>
+            <a:normAutofit lnSpcReduction="10000"/>
           </a:bodyPr>
           <a:lstStyle/>
           <a:p>
@@ -11709,16 +11709,19 @@
               <a:t>Arbeitsverzeichnis (UBS-Stick/</a:t>
             </a:r>
             <a:r>
-              <a:rPr lang="de-AT" dirty="0" err="1">
-                <a:highlight>
-                  <a:srgbClr val="FFFF00"/>
-                </a:highlight>
-              </a:rPr>
+              <a:rPr lang="de-AT" dirty="0" err="1"/>
               <a:t>github</a:t>
             </a:r>
             <a:r>
               <a:rPr lang="de-AT" dirty="0"/>
-              <a:t>)</a:t>
+              <a:t>) </a:t>
+            </a:r>
+          </a:p>
+          <a:p>
+            <a:pPr lvl="1"/>
+            <a:r>
+              <a:rPr lang="de-AT" dirty="0"/>
+              <a:t>https://github.com/thkiefer/WS5_Advanced-R</a:t>
             </a:r>
           </a:p>
           <a:p>
@@ -18221,18 +18224,18 @@
 </file>
 
 <file path=customXml/item1.xml><?xml version="1.0" encoding="utf-8"?>
-<p:properties xmlns:p="http://schemas.microsoft.com/office/2006/metadata/properties" xmlns:xsi="http://www.w3.org/2001/XMLSchema-instance" xmlns:pc="http://schemas.microsoft.com/office/infopath/2007/PartnerControls">
-  <documentManagement/>
-</p:properties>
-</file>
-
-<file path=customXml/item2.xml><?xml version="1.0" encoding="utf-8"?>
 <?mso-contentType ?>
 <FormTemplates xmlns="http://schemas.microsoft.com/sharepoint/v3/contenttype/forms">
   <Display>DocumentLibraryForm</Display>
   <Edit>DocumentLibraryForm</Edit>
   <New>DocumentLibraryForm</New>
 </FormTemplates>
+</file>
+
+<file path=customXml/item2.xml><?xml version="1.0" encoding="utf-8"?>
+<p:properties xmlns:p="http://schemas.microsoft.com/office/2006/metadata/properties" xmlns:xsi="http://www.w3.org/2001/XMLSchema-instance" xmlns:pc="http://schemas.microsoft.com/office/infopath/2007/PartnerControls">
+  <documentManagement/>
+</p:properties>
 </file>
 
 <file path=customXml/item3.xml><?xml version="1.0" encoding="utf-8"?>
@@ -18439,6 +18442,14 @@
 </file>
 
 <file path=customXml/itemProps1.xml><?xml version="1.0" encoding="utf-8"?>
+<ds:datastoreItem xmlns:ds="http://schemas.openxmlformats.org/officeDocument/2006/customXml" ds:itemID="{0EB910BF-2738-4C90-88BF-76509022B2A4}">
+  <ds:schemaRefs>
+    <ds:schemaRef ds:uri="http://schemas.microsoft.com/sharepoint/v3/contenttype/forms"/>
+  </ds:schemaRefs>
+</ds:datastoreItem>
+</file>
+
+<file path=customXml/itemProps2.xml><?xml version="1.0" encoding="utf-8"?>
 <ds:datastoreItem xmlns:ds="http://schemas.openxmlformats.org/officeDocument/2006/customXml" ds:itemID="{1C6134B3-13A7-459B-8197-3CEA81A1A83B}">
   <ds:schemaRefs>
     <ds:schemaRef ds:uri="a9214ec9-b16f-467d-8930-8c60957002bb"/>
@@ -18451,14 +18462,6 @@
     <ds:schemaRef ds:uri="http://schemas.microsoft.com/office/infopath/2007/PartnerControls"/>
     <ds:schemaRef ds:uri="ce844794-c805-4cad-85c0-a78fe04beb49"/>
     <ds:schemaRef ds:uri="http://schemas.microsoft.com/office/2006/metadata/properties"/>
-  </ds:schemaRefs>
-</ds:datastoreItem>
-</file>
-
-<file path=customXml/itemProps2.xml><?xml version="1.0" encoding="utf-8"?>
-<ds:datastoreItem xmlns:ds="http://schemas.openxmlformats.org/officeDocument/2006/customXml" ds:itemID="{0EB910BF-2738-4C90-88BF-76509022B2A4}">
-  <ds:schemaRefs>
-    <ds:schemaRef ds:uri="http://schemas.microsoft.com/sharepoint/v3/contenttype/forms"/>
   </ds:schemaRefs>
 </ds:datastoreItem>
 </file>

--- a/Folien/WS5_Advanced-R.pptx
+++ b/Folien/WS5_Advanced-R.pptx
@@ -11684,7 +11684,7 @@
         </p:spPr>
         <p:txBody>
           <a:bodyPr>
-            <a:normAutofit lnSpcReduction="10000"/>
+            <a:normAutofit/>
           </a:bodyPr>
           <a:lstStyle/>
           <a:p>
@@ -11709,19 +11709,16 @@
               <a:t>Arbeitsverzeichnis (UBS-Stick/</a:t>
             </a:r>
             <a:r>
-              <a:rPr lang="de-AT" dirty="0" err="1"/>
+              <a:rPr lang="de-AT" dirty="0" err="1">
+                <a:highlight>
+                  <a:srgbClr val="FFFF00"/>
+                </a:highlight>
+              </a:rPr>
               <a:t>github</a:t>
             </a:r>
             <a:r>
               <a:rPr lang="de-AT" dirty="0"/>
-              <a:t>) </a:t>
-            </a:r>
-          </a:p>
-          <a:p>
-            <a:pPr lvl="1"/>
-            <a:r>
-              <a:rPr lang="de-AT" dirty="0"/>
-              <a:t>https://github.com/thkiefer/WS5_Advanced-R</a:t>
+              <a:t>)</a:t>
             </a:r>
           </a:p>
           <a:p>
@@ -15216,7 +15213,7 @@
 </file>
 
 <file path=ppt/slides/slide3.xml><?xml version="1.0" encoding="utf-8"?>
-<p:sld xmlns:a="http://schemas.openxmlformats.org/drawingml/2006/main" xmlns:r="http://schemas.openxmlformats.org/officeDocument/2006/relationships" xmlns:p="http://schemas.openxmlformats.org/presentationml/2006/main">
+<p:sld xmlns:a="http://schemas.openxmlformats.org/drawingml/2006/main" xmlns:r="http://schemas.openxmlformats.org/officeDocument/2006/relationships" xmlns:p="http://schemas.openxmlformats.org/presentationml/2006/main" show="0">
   <p:cSld>
     <p:spTree>
       <p:nvGrpSpPr>

--- a/Folien/WS5_Advanced-R.pptx
+++ b/Folien/WS5_Advanced-R.pptx
@@ -261,7 +261,7 @@
           <a:p>
             <a:fld id="{A4F87B00-D7D7-4E73-88E5-5DF5797B2681}" type="datetimeFigureOut">
               <a:rPr lang="de-AT" smtClean="0"/>
-              <a:t>30.06.2022</a:t>
+              <a:t>06.07.2022</a:t>
             </a:fld>
             <a:endParaRPr lang="de-AT" dirty="0"/>
           </a:p>
@@ -461,7 +461,7 @@
           <a:p>
             <a:fld id="{64F923B6-97FF-4AF0-A17D-1758840DBBE2}" type="datetimeFigureOut">
               <a:rPr lang="de-AT" smtClean="0"/>
-              <a:t>30.06.2022</a:t>
+              <a:t>06.07.2022</a:t>
             </a:fld>
             <a:endParaRPr lang="de-AT"/>
           </a:p>
@@ -18230,12 +18230,6 @@
 </file>
 
 <file path=customXml/item2.xml><?xml version="1.0" encoding="utf-8"?>
-<p:properties xmlns:p="http://schemas.microsoft.com/office/2006/metadata/properties" xmlns:xsi="http://www.w3.org/2001/XMLSchema-instance" xmlns:pc="http://schemas.microsoft.com/office/infopath/2007/PartnerControls">
-  <documentManagement/>
-</p:properties>
-</file>
-
-<file path=customXml/item3.xml><?xml version="1.0" encoding="utf-8"?>
 <ct:contentTypeSchema xmlns:ct="http://schemas.microsoft.com/office/2006/metadata/contentType" xmlns:ma="http://schemas.microsoft.com/office/2006/metadata/properties/metaAttributes" ct:_="" ma:_="" ma:contentTypeName="Dokument" ma:contentTypeID="0x010100AE02DDE52198804DB530C0F5F5534535" ma:contentTypeVersion="10" ma:contentTypeDescription="Ein neues Dokument erstellen." ma:contentTypeScope="" ma:versionID="9ca003495d6e5d270b6c428a93e16210">
   <xsd:schema xmlns:xsd="http://www.w3.org/2001/XMLSchema" xmlns:xs="http://www.w3.org/2001/XMLSchema" xmlns:p="http://schemas.microsoft.com/office/2006/metadata/properties" xmlns:ns3="a9214ec9-b16f-467d-8930-8c60957002bb" xmlns:ns4="ce844794-c805-4cad-85c0-a78fe04beb49" targetNamespace="http://schemas.microsoft.com/office/2006/metadata/properties" ma:root="true" ma:fieldsID="dc6522f6239bf6144e88413f93ef5dbf" ns3:_="" ns4:_="">
     <xsd:import namespace="a9214ec9-b16f-467d-8930-8c60957002bb"/>
@@ -18438,6 +18432,12 @@
 </ct:contentTypeSchema>
 </file>
 
+<file path=customXml/item3.xml><?xml version="1.0" encoding="utf-8"?>
+<p:properties xmlns:p="http://schemas.microsoft.com/office/2006/metadata/properties" xmlns:xsi="http://www.w3.org/2001/XMLSchema-instance" xmlns:pc="http://schemas.microsoft.com/office/infopath/2007/PartnerControls">
+  <documentManagement/>
+</p:properties>
+</file>
+
 <file path=customXml/itemProps1.xml><?xml version="1.0" encoding="utf-8"?>
 <ds:datastoreItem xmlns:ds="http://schemas.openxmlformats.org/officeDocument/2006/customXml" ds:itemID="{0EB910BF-2738-4C90-88BF-76509022B2A4}">
   <ds:schemaRefs>
@@ -18447,23 +18447,6 @@
 </file>
 
 <file path=customXml/itemProps2.xml><?xml version="1.0" encoding="utf-8"?>
-<ds:datastoreItem xmlns:ds="http://schemas.openxmlformats.org/officeDocument/2006/customXml" ds:itemID="{1C6134B3-13A7-459B-8197-3CEA81A1A83B}">
-  <ds:schemaRefs>
-    <ds:schemaRef ds:uri="a9214ec9-b16f-467d-8930-8c60957002bb"/>
-    <ds:schemaRef ds:uri="http://www.w3.org/XML/1998/namespace"/>
-    <ds:schemaRef ds:uri="http://purl.org/dc/elements/1.1/"/>
-    <ds:schemaRef ds:uri="http://schemas.openxmlformats.org/package/2006/metadata/core-properties"/>
-    <ds:schemaRef ds:uri="http://purl.org/dc/terms/"/>
-    <ds:schemaRef ds:uri="http://purl.org/dc/dcmitype/"/>
-    <ds:schemaRef ds:uri="http://schemas.microsoft.com/office/2006/documentManagement/types"/>
-    <ds:schemaRef ds:uri="http://schemas.microsoft.com/office/infopath/2007/PartnerControls"/>
-    <ds:schemaRef ds:uri="ce844794-c805-4cad-85c0-a78fe04beb49"/>
-    <ds:schemaRef ds:uri="http://schemas.microsoft.com/office/2006/metadata/properties"/>
-  </ds:schemaRefs>
-</ds:datastoreItem>
-</file>
-
-<file path=customXml/itemProps3.xml><?xml version="1.0" encoding="utf-8"?>
 <ds:datastoreItem xmlns:ds="http://schemas.openxmlformats.org/officeDocument/2006/customXml" ds:itemID="{CF3BA3B8-EF85-497A-8B90-9A6C588D6168}">
   <ds:schemaRefs>
     <ds:schemaRef ds:uri="http://schemas.microsoft.com/office/2006/metadata/contentType"/>
@@ -18480,4 +18463,21 @@
     <ds:schemaRef ds:uri="http://schemas.microsoft.com/internal/obd"/>
   </ds:schemaRefs>
 </ds:datastoreItem>
+</file>
+
+<file path=customXml/itemProps3.xml><?xml version="1.0" encoding="utf-8"?>
+<ds:datastoreItem xmlns:ds="http://schemas.openxmlformats.org/officeDocument/2006/customXml" ds:itemID="{1C6134B3-13A7-459B-8197-3CEA81A1A83B}">
+  <ds:schemaRefs>
+    <ds:schemaRef ds:uri="a9214ec9-b16f-467d-8930-8c60957002bb"/>
+    <ds:schemaRef ds:uri="http://www.w3.org/XML/1998/namespace"/>
+    <ds:schemaRef ds:uri="http://purl.org/dc/elements/1.1/"/>
+    <ds:schemaRef ds:uri="http://schemas.openxmlformats.org/package/2006/metadata/core-properties"/>
+    <ds:schemaRef ds:uri="http://purl.org/dc/terms/"/>
+    <ds:schemaRef ds:uri="http://purl.org/dc/dcmitype/"/>
+    <ds:schemaRef ds:uri="http://schemas.microsoft.com/office/2006/documentManagement/types"/>
+    <ds:schemaRef ds:uri="http://schemas.microsoft.com/office/infopath/2007/PartnerControls"/>
+    <ds:schemaRef ds:uri="ce844794-c805-4cad-85c0-a78fe04beb49"/>
+    <ds:schemaRef ds:uri="http://schemas.microsoft.com/office/2006/metadata/properties"/>
+  </ds:schemaRefs>
+</ds:datastoreItem>
 </file>
--- a/Folien/WS5_Advanced-R.pptx
+++ b/Folien/WS5_Advanced-R.pptx
@@ -5,39 +5,40 @@
     <p:sldMasterId id="2147483713" r:id="rId4"/>
   </p:sldMasterIdLst>
   <p:notesMasterIdLst>
-    <p:notesMasterId r:id="rId32"/>
+    <p:notesMasterId r:id="rId33"/>
   </p:notesMasterIdLst>
   <p:handoutMasterIdLst>
-    <p:handoutMasterId r:id="rId33"/>
+    <p:handoutMasterId r:id="rId34"/>
   </p:handoutMasterIdLst>
   <p:sldIdLst>
     <p:sldId id="256" r:id="rId5"/>
     <p:sldId id="267" r:id="rId6"/>
-    <p:sldId id="295" r:id="rId7"/>
-    <p:sldId id="268" r:id="rId8"/>
-    <p:sldId id="297" r:id="rId9"/>
-    <p:sldId id="269" r:id="rId10"/>
-    <p:sldId id="271" r:id="rId11"/>
-    <p:sldId id="294" r:id="rId12"/>
-    <p:sldId id="299" r:id="rId13"/>
-    <p:sldId id="258" r:id="rId14"/>
-    <p:sldId id="273" r:id="rId15"/>
-    <p:sldId id="274" r:id="rId16"/>
-    <p:sldId id="275" r:id="rId17"/>
-    <p:sldId id="276" r:id="rId18"/>
-    <p:sldId id="298" r:id="rId19"/>
-    <p:sldId id="279" r:id="rId20"/>
-    <p:sldId id="291" r:id="rId21"/>
-    <p:sldId id="292" r:id="rId22"/>
-    <p:sldId id="283" r:id="rId23"/>
-    <p:sldId id="284" r:id="rId24"/>
-    <p:sldId id="285" r:id="rId25"/>
-    <p:sldId id="286" r:id="rId26"/>
-    <p:sldId id="287" r:id="rId27"/>
-    <p:sldId id="288" r:id="rId28"/>
-    <p:sldId id="289" r:id="rId29"/>
-    <p:sldId id="290" r:id="rId30"/>
-    <p:sldId id="272" r:id="rId31"/>
+    <p:sldId id="300" r:id="rId7"/>
+    <p:sldId id="295" r:id="rId8"/>
+    <p:sldId id="268" r:id="rId9"/>
+    <p:sldId id="297" r:id="rId10"/>
+    <p:sldId id="269" r:id="rId11"/>
+    <p:sldId id="271" r:id="rId12"/>
+    <p:sldId id="294" r:id="rId13"/>
+    <p:sldId id="299" r:id="rId14"/>
+    <p:sldId id="258" r:id="rId15"/>
+    <p:sldId id="273" r:id="rId16"/>
+    <p:sldId id="274" r:id="rId17"/>
+    <p:sldId id="275" r:id="rId18"/>
+    <p:sldId id="276" r:id="rId19"/>
+    <p:sldId id="298" r:id="rId20"/>
+    <p:sldId id="279" r:id="rId21"/>
+    <p:sldId id="291" r:id="rId22"/>
+    <p:sldId id="292" r:id="rId23"/>
+    <p:sldId id="283" r:id="rId24"/>
+    <p:sldId id="284" r:id="rId25"/>
+    <p:sldId id="285" r:id="rId26"/>
+    <p:sldId id="286" r:id="rId27"/>
+    <p:sldId id="287" r:id="rId28"/>
+    <p:sldId id="288" r:id="rId29"/>
+    <p:sldId id="289" r:id="rId30"/>
+    <p:sldId id="290" r:id="rId31"/>
+    <p:sldId id="272" r:id="rId32"/>
   </p:sldIdLst>
   <p:sldSz cx="9144000" cy="5143500" type="screen16x9"/>
   <p:notesSz cx="6797675" cy="9926638"/>
@@ -819,7 +820,7 @@
             <a:fld id="{F0A5DA3B-92D6-4D4B-9895-D15CB563B5E4}" type="slidenum">
               <a:rPr lang="de-AT" smtClean="0"/>
               <a:pPr/>
-              <a:t>3</a:t>
+              <a:t>4</a:t>
             </a:fld>
             <a:endParaRPr lang="de-AT"/>
           </a:p>
@@ -1143,7 +1144,7 @@
             <a:fld id="{F0A5DA3B-92D6-4D4B-9895-D15CB563B5E4}" type="slidenum">
               <a:rPr lang="de-AT" smtClean="0"/>
               <a:pPr/>
-              <a:t>14</a:t>
+              <a:t>15</a:t>
             </a:fld>
             <a:endParaRPr lang="de-AT"/>
           </a:p>
@@ -1228,7 +1229,7 @@
             <a:fld id="{F0A5DA3B-92D6-4D4B-9895-D15CB563B5E4}" type="slidenum">
               <a:rPr lang="de-AT" smtClean="0"/>
               <a:pPr/>
-              <a:t>16</a:t>
+              <a:t>17</a:t>
             </a:fld>
             <a:endParaRPr lang="de-AT"/>
           </a:p>
@@ -1313,7 +1314,7 @@
             <a:fld id="{F0A5DA3B-92D6-4D4B-9895-D15CB563B5E4}" type="slidenum">
               <a:rPr lang="de-AT" smtClean="0"/>
               <a:pPr/>
-              <a:t>17</a:t>
+              <a:t>18</a:t>
             </a:fld>
             <a:endParaRPr lang="de-AT"/>
           </a:p>
@@ -1398,7 +1399,7 @@
             <a:fld id="{F0A5DA3B-92D6-4D4B-9895-D15CB563B5E4}" type="slidenum">
               <a:rPr lang="de-AT" smtClean="0"/>
               <a:pPr/>
-              <a:t>18</a:t>
+              <a:t>19</a:t>
             </a:fld>
             <a:endParaRPr lang="de-AT"/>
           </a:p>
@@ -1486,7 +1487,7 @@
             <a:fld id="{F0A5DA3B-92D6-4D4B-9895-D15CB563B5E4}" type="slidenum">
               <a:rPr lang="de-AT" smtClean="0"/>
               <a:pPr/>
-              <a:t>19</a:t>
+              <a:t>20</a:t>
             </a:fld>
             <a:endParaRPr lang="de-AT"/>
           </a:p>
@@ -2221,7 +2222,7 @@
             <a:fld id="{F0A5DA3B-92D6-4D4B-9895-D15CB563B5E4}" type="slidenum">
               <a:rPr lang="de-AT" smtClean="0"/>
               <a:pPr/>
-              <a:t>21</a:t>
+              <a:t>22</a:t>
             </a:fld>
             <a:endParaRPr lang="de-AT"/>
           </a:p>
@@ -2306,7 +2307,7 @@
             <a:fld id="{F0A5DA3B-92D6-4D4B-9895-D15CB563B5E4}" type="slidenum">
               <a:rPr lang="de-AT" smtClean="0"/>
               <a:pPr/>
-              <a:t>22</a:t>
+              <a:t>23</a:t>
             </a:fld>
             <a:endParaRPr lang="de-AT"/>
           </a:p>
@@ -2610,7 +2611,7 @@
             <a:fld id="{F0A5DA3B-92D6-4D4B-9895-D15CB563B5E4}" type="slidenum">
               <a:rPr lang="de-AT" smtClean="0"/>
               <a:pPr/>
-              <a:t>23</a:t>
+              <a:t>24</a:t>
             </a:fld>
             <a:endParaRPr lang="de-AT"/>
           </a:p>
@@ -2695,7 +2696,7 @@
             <a:fld id="{F0A5DA3B-92D6-4D4B-9895-D15CB563B5E4}" type="slidenum">
               <a:rPr lang="de-AT" smtClean="0"/>
               <a:pPr/>
-              <a:t>24</a:t>
+              <a:t>25</a:t>
             </a:fld>
             <a:endParaRPr lang="de-AT"/>
           </a:p>
@@ -2833,7 +2834,7 @@
             <a:fld id="{F0A5DA3B-92D6-4D4B-9895-D15CB563B5E4}" type="slidenum">
               <a:rPr lang="de-AT" smtClean="0"/>
               <a:pPr/>
-              <a:t>25</a:t>
+              <a:t>26</a:t>
             </a:fld>
             <a:endParaRPr lang="de-AT"/>
           </a:p>
@@ -2918,7 +2919,7 @@
             <a:fld id="{F0A5DA3B-92D6-4D4B-9895-D15CB563B5E4}" type="slidenum">
               <a:rPr lang="de-AT" smtClean="0"/>
               <a:pPr/>
-              <a:t>4</a:t>
+              <a:t>5</a:t>
             </a:fld>
             <a:endParaRPr lang="de-AT"/>
           </a:p>
@@ -3003,7 +3004,7 @@
             <a:fld id="{F0A5DA3B-92D6-4D4B-9895-D15CB563B5E4}" type="slidenum">
               <a:rPr lang="de-AT" smtClean="0"/>
               <a:pPr/>
-              <a:t>26</a:t>
+              <a:t>27</a:t>
             </a:fld>
             <a:endParaRPr lang="de-AT"/>
           </a:p>
@@ -3092,7 +3093,7 @@
             <a:fld id="{F0A5DA3B-92D6-4D4B-9895-D15CB563B5E4}" type="slidenum">
               <a:rPr lang="de-AT" smtClean="0"/>
               <a:pPr/>
-              <a:t>6</a:t>
+              <a:t>7</a:t>
             </a:fld>
             <a:endParaRPr lang="de-AT"/>
           </a:p>
@@ -3208,7 +3209,7 @@
             <a:fld id="{F0A5DA3B-92D6-4D4B-9895-D15CB563B5E4}" type="slidenum">
               <a:rPr lang="de-AT" smtClean="0"/>
               <a:pPr/>
-              <a:t>7</a:t>
+              <a:t>8</a:t>
             </a:fld>
             <a:endParaRPr lang="de-AT"/>
           </a:p>
@@ -3293,7 +3294,7 @@
             <a:fld id="{F0A5DA3B-92D6-4D4B-9895-D15CB563B5E4}" type="slidenum">
               <a:rPr lang="de-AT" smtClean="0"/>
               <a:pPr/>
-              <a:t>8</a:t>
+              <a:t>9</a:t>
             </a:fld>
             <a:endParaRPr lang="de-AT"/>
           </a:p>
@@ -3495,7 +3496,7 @@
             <a:fld id="{F0A5DA3B-92D6-4D4B-9895-D15CB563B5E4}" type="slidenum">
               <a:rPr lang="de-AT" smtClean="0"/>
               <a:pPr/>
-              <a:t>9</a:t>
+              <a:t>10</a:t>
             </a:fld>
             <a:endParaRPr lang="de-AT"/>
           </a:p>
@@ -3580,7 +3581,7 @@
             <a:fld id="{F0A5DA3B-92D6-4D4B-9895-D15CB563B5E4}" type="slidenum">
               <a:rPr lang="de-AT" smtClean="0"/>
               <a:pPr/>
-              <a:t>11</a:t>
+              <a:t>12</a:t>
             </a:fld>
             <a:endParaRPr lang="de-AT"/>
           </a:p>
@@ -3665,7 +3666,7 @@
             <a:fld id="{F0A5DA3B-92D6-4D4B-9895-D15CB563B5E4}" type="slidenum">
               <a:rPr lang="de-AT" smtClean="0"/>
               <a:pPr/>
-              <a:t>12</a:t>
+              <a:t>13</a:t>
             </a:fld>
             <a:endParaRPr lang="de-AT"/>
           </a:p>
@@ -3857,7 +3858,7 @@
             <a:fld id="{F0A5DA3B-92D6-4D4B-9895-D15CB563B5E4}" type="slidenum">
               <a:rPr lang="de-AT" smtClean="0"/>
               <a:pPr/>
-              <a:t>13</a:t>
+              <a:t>14</a:t>
             </a:fld>
             <a:endParaRPr lang="de-AT"/>
           </a:p>
@@ -5895,6 +5896,364 @@
           <a:p>
             <a:r>
               <a:rPr lang="de-AT" dirty="0"/>
+              <a:t>Ressourcen</a:t>
+            </a:r>
+            <a:endParaRPr lang="de-DE" dirty="0"/>
+          </a:p>
+        </p:txBody>
+      </p:sp>
+      <p:sp>
+        <p:nvSpPr>
+          <p:cNvPr id="5" name="Fußzeilenplatzhalter 4"/>
+          <p:cNvSpPr>
+            <a:spLocks noGrp="1"/>
+          </p:cNvSpPr>
+          <p:nvPr>
+            <p:ph type="ftr" sz="quarter" idx="10"/>
+          </p:nvPr>
+        </p:nvSpPr>
+        <p:spPr/>
+        <p:txBody>
+          <a:bodyPr/>
+          <a:lstStyle/>
+          <a:p>
+            <a:r>
+              <a:rPr lang="de-DE" dirty="0"/>
+              <a:t>Workshop 5: </a:t>
+            </a:r>
+            <a:r>
+              <a:rPr lang="de-DE" dirty="0" err="1"/>
+              <a:t>Advanced</a:t>
+            </a:r>
+            <a:r>
+              <a:rPr lang="de-DE" dirty="0"/>
+              <a:t> R</a:t>
+            </a:r>
+            <a:endParaRPr lang="de-AT" dirty="0"/>
+          </a:p>
+        </p:txBody>
+      </p:sp>
+      <p:sp>
+        <p:nvSpPr>
+          <p:cNvPr id="6" name="Foliennummernplatzhalter 5"/>
+          <p:cNvSpPr>
+            <a:spLocks noGrp="1"/>
+          </p:cNvSpPr>
+          <p:nvPr>
+            <p:ph type="sldNum" sz="quarter" idx="11"/>
+          </p:nvPr>
+        </p:nvSpPr>
+        <p:spPr/>
+        <p:txBody>
+          <a:bodyPr/>
+          <a:lstStyle/>
+          <a:p>
+            <a:fld id="{1206269C-C24E-4E80-9A4B-E7E19BB59A67}" type="slidenum">
+              <a:rPr lang="de-AT" smtClean="0"/>
+              <a:pPr/>
+              <a:t>10</a:t>
+            </a:fld>
+            <a:endParaRPr lang="de-AT" dirty="0"/>
+          </a:p>
+        </p:txBody>
+      </p:sp>
+      <p:sp>
+        <p:nvSpPr>
+          <p:cNvPr id="3" name="Textplatzhalter 2"/>
+          <p:cNvSpPr>
+            <a:spLocks noGrp="1"/>
+          </p:cNvSpPr>
+          <p:nvPr>
+            <p:ph type="body" sz="quarter" idx="14"/>
+          </p:nvPr>
+        </p:nvSpPr>
+        <p:spPr>
+          <a:xfrm>
+            <a:off x="2419350" y="1630800"/>
+            <a:ext cx="6099175" cy="2977200"/>
+          </a:xfrm>
+        </p:spPr>
+        <p:txBody>
+          <a:bodyPr>
+            <a:normAutofit fontScale="70000" lnSpcReduction="20000"/>
+          </a:bodyPr>
+          <a:lstStyle/>
+          <a:p>
+            <a:pPr marL="0" indent="0">
+              <a:buNone/>
+            </a:pPr>
+            <a:r>
+              <a:rPr lang="de-AT" dirty="0">
+                <a:solidFill>
+                  <a:srgbClr val="E6320F"/>
+                </a:solidFill>
+              </a:rPr>
+              <a:t>[Fun] Facts</a:t>
+            </a:r>
+          </a:p>
+          <a:p>
+            <a:r>
+              <a:rPr lang="en-US" sz="2000" dirty="0"/>
+              <a:t>CRAN “What’s new?” (</a:t>
+            </a:r>
+            <a:r>
+              <a:rPr lang="en-US" sz="2000" dirty="0">
+                <a:hlinkClick r:id="rId3"/>
+              </a:rPr>
+              <a:t>https://www.r-project.org/news.html</a:t>
+            </a:r>
+            <a:r>
+              <a:rPr lang="en-US" sz="2000" dirty="0"/>
+              <a:t>)</a:t>
+            </a:r>
+          </a:p>
+          <a:p>
+            <a:pPr lvl="1"/>
+            <a:r>
+              <a:rPr lang="en-US" sz="2000" dirty="0"/>
+              <a:t>R-Mailing Lists (</a:t>
+            </a:r>
+            <a:r>
+              <a:rPr lang="en-US" sz="2000" dirty="0">
+                <a:hlinkClick r:id="rId4"/>
+              </a:rPr>
+              <a:t>https://www.r-project.org/mail.html</a:t>
+            </a:r>
+            <a:r>
+              <a:rPr lang="en-US" sz="2000" dirty="0"/>
+              <a:t>) </a:t>
+            </a:r>
+          </a:p>
+          <a:p>
+            <a:pPr lvl="1"/>
+            <a:r>
+              <a:rPr lang="en-US" sz="2000" dirty="0"/>
+              <a:t>R-Version Log (</a:t>
+            </a:r>
+            <a:r>
+              <a:rPr lang="en-US" sz="2000" dirty="0">
+                <a:hlinkClick r:id="rId5"/>
+              </a:rPr>
+              <a:t>https://cran.r-project.org/doc/manuals/r-release/NEWS.html</a:t>
+            </a:r>
+            <a:r>
+              <a:rPr lang="en-US" sz="2000" dirty="0"/>
+              <a:t>)</a:t>
+            </a:r>
+          </a:p>
+          <a:p>
+            <a:r>
+              <a:rPr lang="en-US" sz="2000" dirty="0"/>
+              <a:t>CRAN Task Views (</a:t>
+            </a:r>
+            <a:r>
+              <a:rPr lang="en-US" sz="2000" dirty="0">
+                <a:hlinkClick r:id="rId6"/>
+              </a:rPr>
+              <a:t>https://cran.r-project.org/web/views/</a:t>
+            </a:r>
+            <a:r>
+              <a:rPr lang="en-US" sz="2000" dirty="0"/>
+              <a:t>)</a:t>
+            </a:r>
+          </a:p>
+          <a:p>
+            <a:r>
+              <a:rPr lang="en-US" sz="2000" dirty="0"/>
+              <a:t>user! 2022 (</a:t>
+            </a:r>
+            <a:r>
+              <a:rPr lang="en-US" sz="2000" dirty="0">
+                <a:hlinkClick r:id="rId7"/>
+              </a:rPr>
+              <a:t>https://user2022.r-project.org/</a:t>
+            </a:r>
+            <a:r>
+              <a:rPr lang="en-US" sz="2000" dirty="0"/>
+              <a:t>)</a:t>
+            </a:r>
+          </a:p>
+          <a:p>
+            <a:r>
+              <a:rPr lang="en-US" sz="2000" dirty="0"/>
+              <a:t>Twitter: (</a:t>
+            </a:r>
+            <a:r>
+              <a:rPr lang="en-US" sz="2000" dirty="0">
+                <a:hlinkClick r:id="rId8"/>
+              </a:rPr>
+              <a:t>https://twitter.com/search?q=%23rstats</a:t>
+            </a:r>
+            <a:r>
+              <a:rPr lang="en-US" sz="2000" dirty="0"/>
+              <a:t>)</a:t>
+            </a:r>
+          </a:p>
+          <a:p>
+            <a:pPr lvl="1"/>
+            <a:r>
+              <a:rPr lang="en-US" sz="2000" dirty="0" err="1"/>
+              <a:t>Rstats</a:t>
+            </a:r>
+            <a:r>
+              <a:rPr lang="en-US" sz="2000" dirty="0"/>
+              <a:t> Question A Day (</a:t>
+            </a:r>
+            <a:r>
+              <a:rPr lang="en-US" sz="2000" dirty="0">
+                <a:hlinkClick r:id="rId9"/>
+              </a:rPr>
+              <a:t>https://twitter.com/data_question</a:t>
+            </a:r>
+            <a:r>
+              <a:rPr lang="en-US" sz="2000" dirty="0"/>
+              <a:t>)</a:t>
+            </a:r>
+          </a:p>
+          <a:p>
+            <a:pPr lvl="1"/>
+            <a:r>
+              <a:rPr lang="en-US" sz="2000" dirty="0"/>
+              <a:t>One R Tip a Day (</a:t>
+            </a:r>
+            <a:r>
+              <a:rPr lang="en-US" sz="2000" dirty="0">
+                <a:hlinkClick r:id="rId10"/>
+              </a:rPr>
+              <a:t>https://twitter.com/RLangTip</a:t>
+            </a:r>
+            <a:r>
+              <a:rPr lang="en-US" sz="2000" dirty="0"/>
+              <a:t>)  </a:t>
+            </a:r>
+          </a:p>
+          <a:p>
+            <a:r>
+              <a:rPr lang="en-US" sz="2000" dirty="0"/>
+              <a:t>R-bloggers (</a:t>
+            </a:r>
+            <a:r>
+              <a:rPr lang="en-US" sz="2000" dirty="0">
+                <a:hlinkClick r:id="rId11"/>
+              </a:rPr>
+              <a:t>https://www.r-bloggers.com/</a:t>
+            </a:r>
+            <a:r>
+              <a:rPr lang="en-US" sz="2000" dirty="0"/>
+              <a:t>)</a:t>
+            </a:r>
+          </a:p>
+          <a:p>
+            <a:r>
+              <a:rPr lang="en-US" sz="2000" dirty="0"/>
+              <a:t>RSS-Feed R Weekly (</a:t>
+            </a:r>
+            <a:r>
+              <a:rPr lang="en-US" sz="2000" dirty="0">
+                <a:hlinkClick r:id="rId12"/>
+              </a:rPr>
+              <a:t>https://rweekly.org/2022-W26.html</a:t>
+            </a:r>
+            <a:r>
+              <a:rPr lang="en-US" sz="2000" dirty="0"/>
+              <a:t>)</a:t>
+            </a:r>
+            <a:endParaRPr lang="en-US" dirty="0"/>
+          </a:p>
+          <a:p>
+            <a:endParaRPr lang="en-US" sz="1800" dirty="0"/>
+          </a:p>
+          <a:p>
+            <a:endParaRPr lang="de-AT" dirty="0"/>
+          </a:p>
+        </p:txBody>
+      </p:sp>
+      <p:pic>
+        <p:nvPicPr>
+          <p:cNvPr id="8" name="Grafik 7" descr="Bücher im Regal mit einfarbiger Füllung">
+            <a:extLst>
+              <a:ext uri="{FF2B5EF4-FFF2-40B4-BE49-F238E27FC236}">
+                <a16:creationId xmlns:a16="http://schemas.microsoft.com/office/drawing/2014/main" id="{71D641F5-AF89-4C64-ADFB-A700B6A6C2DD}"/>
+              </a:ext>
+            </a:extLst>
+          </p:cNvPr>
+          <p:cNvPicPr>
+            <a:picLocks noChangeAspect="1"/>
+          </p:cNvPicPr>
+          <p:nvPr/>
+        </p:nvPicPr>
+        <p:blipFill>
+          <a:blip r:embed="rId13">
+            <a:extLst>
+              <a:ext uri="{28A0092B-C50C-407E-A947-70E740481C1C}">
+                <a14:useLocalDpi xmlns:a14="http://schemas.microsoft.com/office/drawing/2010/main" val="0"/>
+              </a:ext>
+              <a:ext uri="{96DAC541-7B7A-43D3-8B79-37D633B846F1}">
+                <asvg:svgBlip xmlns:asvg="http://schemas.microsoft.com/office/drawing/2016/SVG/main" r:embed="rId14"/>
+              </a:ext>
+            </a:extLst>
+          </a:blip>
+          <a:stretch>
+            <a:fillRect/>
+          </a:stretch>
+        </p:blipFill>
+        <p:spPr>
+          <a:xfrm>
+            <a:off x="387348" y="1676890"/>
+            <a:ext cx="2036693" cy="2036693"/>
+          </a:xfrm>
+          <a:prstGeom prst="rect">
+            <a:avLst/>
+          </a:prstGeom>
+        </p:spPr>
+      </p:pic>
+    </p:spTree>
+    <p:extLst>
+      <p:ext uri="{BB962C8B-B14F-4D97-AF65-F5344CB8AC3E}">
+        <p14:creationId xmlns:p14="http://schemas.microsoft.com/office/powerpoint/2010/main" val="2369368844"/>
+      </p:ext>
+    </p:extLst>
+  </p:cSld>
+  <p:clrMapOvr>
+    <a:masterClrMapping/>
+  </p:clrMapOvr>
+</p:sld>
+</file>
+
+<file path=ppt/slides/slide11.xml><?xml version="1.0" encoding="utf-8"?>
+<p:sld xmlns:a="http://schemas.openxmlformats.org/drawingml/2006/main" xmlns:r="http://schemas.openxmlformats.org/officeDocument/2006/relationships" xmlns:p="http://schemas.openxmlformats.org/presentationml/2006/main">
+  <p:cSld>
+    <p:spTree>
+      <p:nvGrpSpPr>
+        <p:cNvPr id="1" name=""/>
+        <p:cNvGrpSpPr/>
+        <p:nvPr/>
+      </p:nvGrpSpPr>
+      <p:grpSpPr>
+        <a:xfrm>
+          <a:off x="0" y="0"/>
+          <a:ext cx="0" cy="0"/>
+          <a:chOff x="0" y="0"/>
+          <a:chExt cx="0" cy="0"/>
+        </a:xfrm>
+      </p:grpSpPr>
+      <p:sp>
+        <p:nvSpPr>
+          <p:cNvPr id="7" name="Titel 6"/>
+          <p:cNvSpPr>
+            <a:spLocks noGrp="1"/>
+          </p:cNvSpPr>
+          <p:nvPr>
+            <p:ph type="title"/>
+          </p:nvPr>
+        </p:nvSpPr>
+        <p:spPr/>
+        <p:txBody>
+          <a:bodyPr/>
+          <a:lstStyle/>
+          <a:p>
+            <a:r>
+              <a:rPr lang="de-AT" dirty="0"/>
               <a:t>Teil 1</a:t>
             </a:r>
             <a:br>
@@ -5966,7 +6325,7 @@
 </p:sld>
 </file>
 
-<file path=ppt/slides/slide11.xml><?xml version="1.0" encoding="utf-8"?>
+<file path=ppt/slides/slide12.xml><?xml version="1.0" encoding="utf-8"?>
 <p:sld xmlns:a="http://schemas.openxmlformats.org/drawingml/2006/main" xmlns:r="http://schemas.openxmlformats.org/officeDocument/2006/relationships" xmlns:p="http://schemas.openxmlformats.org/presentationml/2006/main">
   <p:cSld>
     <p:spTree>
@@ -6094,7 +6453,7 @@
             <a:fld id="{1206269C-C24E-4E80-9A4B-E7E19BB59A67}" type="slidenum">
               <a:rPr lang="de-AT" smtClean="0"/>
               <a:pPr/>
-              <a:t>11</a:t>
+              <a:t>12</a:t>
             </a:fld>
             <a:endParaRPr lang="de-AT" dirty="0"/>
           </a:p>
@@ -6145,7 +6504,7 @@
                 <a:latin typeface="Courier New" panose="02070309020205020404" pitchFamily="49" charset="0"/>
                 <a:cs typeface="Courier New" panose="02070309020205020404" pitchFamily="49" charset="0"/>
               </a:rPr>
-              <a:t>logical</a:t>
+              <a:t> </a:t>
             </a:r>
           </a:p>
           <a:p>
@@ -6159,7 +6518,7 @@
                 <a:latin typeface="Courier New" panose="02070309020205020404" pitchFamily="49" charset="0"/>
                 <a:cs typeface="Courier New" panose="02070309020205020404" pitchFamily="49" charset="0"/>
               </a:rPr>
-              <a:t>integer</a:t>
+              <a:t> </a:t>
             </a:r>
           </a:p>
           <a:p>
@@ -6173,14 +6532,12 @@
                 <a:latin typeface="Courier New" panose="02070309020205020404" pitchFamily="49" charset="0"/>
                 <a:cs typeface="Courier New" panose="02070309020205020404" pitchFamily="49" charset="0"/>
               </a:rPr>
-              <a:t>double</a:t>
-            </a:r>
-            <a:r>
-              <a:rPr lang="en-US" sz="2400" dirty="0"/>
-              <a:t>/</a:t>
-            </a:r>
-            <a:r>
-              <a:rPr lang="en-US" sz="2400" dirty="0">
+              <a:t> </a:t>
+            </a:r>
+          </a:p>
+          <a:p>
+            <a:r>
+              <a:rPr lang="de-AT" sz="2400" dirty="0">
                 <a:solidFill>
                   <a:schemeClr val="bg1">
                     <a:lumMod val="50000"/>
@@ -6189,12 +6546,12 @@
                 <a:latin typeface="Courier New" panose="02070309020205020404" pitchFamily="49" charset="0"/>
                 <a:cs typeface="Courier New" panose="02070309020205020404" pitchFamily="49" charset="0"/>
               </a:rPr>
-              <a:t>numeric</a:t>
-            </a:r>
-          </a:p>
-          <a:p>
-            <a:r>
-              <a:rPr lang="de-AT" sz="2400" dirty="0" err="1">
+              <a:t> </a:t>
+            </a:r>
+          </a:p>
+          <a:p>
+            <a:r>
+              <a:rPr lang="de-AT" dirty="0">
                 <a:solidFill>
                   <a:schemeClr val="bg1">
                     <a:lumMod val="50000"/>
@@ -6203,21 +6560,12 @@
                 <a:latin typeface="Courier New" panose="02070309020205020404" pitchFamily="49" charset="0"/>
                 <a:cs typeface="Courier New" panose="02070309020205020404" pitchFamily="49" charset="0"/>
               </a:rPr>
-              <a:t>character</a:t>
-            </a:r>
-            <a:endParaRPr lang="de-AT" sz="2400" dirty="0">
-              <a:solidFill>
-                <a:schemeClr val="bg1">
-                  <a:lumMod val="50000"/>
-                </a:schemeClr>
-              </a:solidFill>
-              <a:latin typeface="Courier New" panose="02070309020205020404" pitchFamily="49" charset="0"/>
-              <a:cs typeface="Courier New" panose="02070309020205020404" pitchFamily="49" charset="0"/>
-            </a:endParaRPr>
-          </a:p>
-          <a:p>
-            <a:r>
-              <a:rPr lang="de-AT" dirty="0" err="1">
+              <a:t> </a:t>
+            </a:r>
+          </a:p>
+          <a:p>
+            <a:r>
+              <a:rPr lang="de-AT" dirty="0">
                 <a:solidFill>
                   <a:schemeClr val="bg1">
                     <a:lumMod val="50000"/>
@@ -6226,40 +6574,8 @@
                 <a:latin typeface="Courier New" panose="02070309020205020404" pitchFamily="49" charset="0"/>
                 <a:cs typeface="Courier New" panose="02070309020205020404" pitchFamily="49" charset="0"/>
               </a:rPr>
-              <a:t>complex</a:t>
-            </a:r>
-            <a:endParaRPr lang="de-AT" dirty="0">
-              <a:solidFill>
-                <a:schemeClr val="bg1">
-                  <a:lumMod val="50000"/>
-                </a:schemeClr>
-              </a:solidFill>
-              <a:latin typeface="Courier New" panose="02070309020205020404" pitchFamily="49" charset="0"/>
-              <a:cs typeface="Courier New" panose="02070309020205020404" pitchFamily="49" charset="0"/>
-            </a:endParaRPr>
-          </a:p>
-          <a:p>
-            <a:r>
-              <a:rPr lang="de-AT" dirty="0" err="1">
-                <a:solidFill>
-                  <a:schemeClr val="bg1">
-                    <a:lumMod val="50000"/>
-                  </a:schemeClr>
-                </a:solidFill>
-                <a:latin typeface="Courier New" panose="02070309020205020404" pitchFamily="49" charset="0"/>
-                <a:cs typeface="Courier New" panose="02070309020205020404" pitchFamily="49" charset="0"/>
-              </a:rPr>
-              <a:t>raw</a:t>
-            </a:r>
-            <a:endParaRPr lang="de-AT" dirty="0">
-              <a:solidFill>
-                <a:schemeClr val="bg1">
-                  <a:lumMod val="50000"/>
-                </a:schemeClr>
-              </a:solidFill>
-              <a:latin typeface="Courier New" panose="02070309020205020404" pitchFamily="49" charset="0"/>
-              <a:cs typeface="Courier New" panose="02070309020205020404" pitchFamily="49" charset="0"/>
-            </a:endParaRPr>
+              <a:t> </a:t>
+            </a:r>
           </a:p>
         </p:txBody>
       </p:sp>
@@ -6276,7 +6592,7 @@
 </p:sld>
 </file>
 
-<file path=ppt/slides/slide12.xml><?xml version="1.0" encoding="utf-8"?>
+<file path=ppt/slides/slide13.xml><?xml version="1.0" encoding="utf-8"?>
 <p:sld xmlns:a="http://schemas.openxmlformats.org/drawingml/2006/main" xmlns:r="http://schemas.openxmlformats.org/officeDocument/2006/relationships" xmlns:p="http://schemas.openxmlformats.org/presentationml/2006/main">
   <p:cSld>
     <p:spTree>
@@ -6404,7 +6720,7 @@
             <a:fld id="{1206269C-C24E-4E80-9A4B-E7E19BB59A67}" type="slidenum">
               <a:rPr lang="de-AT" smtClean="0"/>
               <a:pPr/>
-              <a:t>12</a:t>
+              <a:t>13</a:t>
             </a:fld>
             <a:endParaRPr lang="de-AT" dirty="0"/>
           </a:p>
@@ -6467,7 +6783,7 @@
           <p:nvPr>
             <p:extLst>
               <p:ext uri="{D42A27DB-BD31-4B8C-83A1-F6EECF244321}">
-                <p14:modId xmlns:p14="http://schemas.microsoft.com/office/powerpoint/2010/main" val="3140853785"/>
+                <p14:modId xmlns:p14="http://schemas.microsoft.com/office/powerpoint/2010/main" val="1974419424"/>
               </p:ext>
             </p:extLst>
           </p:nvPr>
@@ -6572,7 +6888,7 @@
                     <a:lstStyle/>
                     <a:p>
                       <a:r>
-                        <a:rPr lang="de-DE" dirty="0" err="1">
+                        <a:rPr lang="de-DE" dirty="0">
                           <a:solidFill>
                             <a:schemeClr val="bg1">
                               <a:lumMod val="50000"/>
@@ -6581,17 +6897,8 @@
                           <a:latin typeface="Courier New" panose="02070309020205020404" pitchFamily="49" charset="0"/>
                           <a:cs typeface="Courier New" panose="02070309020205020404" pitchFamily="49" charset="0"/>
                         </a:rPr>
-                        <a:t>vector</a:t>
+                        <a:t> </a:t>
                       </a:r>
-                      <a:endParaRPr lang="de-DE" dirty="0">
-                        <a:solidFill>
-                          <a:schemeClr val="bg1">
-                            <a:lumMod val="50000"/>
-                          </a:schemeClr>
-                        </a:solidFill>
-                        <a:latin typeface="Courier New" panose="02070309020205020404" pitchFamily="49" charset="0"/>
-                        <a:cs typeface="Courier New" panose="02070309020205020404" pitchFamily="49" charset="0"/>
-                      </a:endParaRPr>
                     </a:p>
                   </a:txBody>
                   <a:tcPr/>
@@ -6602,7 +6909,7 @@
                     <a:lstStyle/>
                     <a:p>
                       <a:r>
-                        <a:rPr lang="de-DE" sz="1800" kern="1200" dirty="0" err="1">
+                        <a:rPr lang="de-DE" sz="1800" kern="1200" dirty="0">
                           <a:solidFill>
                             <a:schemeClr val="bg1">
                               <a:lumMod val="50000"/>
@@ -6612,18 +6919,8 @@
                           <a:ea typeface="+mn-ea"/>
                           <a:cs typeface="Courier New" panose="02070309020205020404" pitchFamily="49" charset="0"/>
                         </a:rPr>
-                        <a:t>list</a:t>
+                        <a:t> </a:t>
                       </a:r>
-                      <a:endParaRPr lang="de-DE" sz="1800" kern="1200" dirty="0">
-                        <a:solidFill>
-                          <a:schemeClr val="bg1">
-                            <a:lumMod val="50000"/>
-                          </a:schemeClr>
-                        </a:solidFill>
-                        <a:latin typeface="Courier New" panose="02070309020205020404" pitchFamily="49" charset="0"/>
-                        <a:ea typeface="+mn-ea"/>
-                        <a:cs typeface="Courier New" panose="02070309020205020404" pitchFamily="49" charset="0"/>
-                      </a:endParaRPr>
                     </a:p>
                   </a:txBody>
                   <a:tcPr/>
@@ -6655,7 +6952,7 @@
                     <a:lstStyle/>
                     <a:p>
                       <a:r>
-                        <a:rPr lang="de-DE" sz="1800" kern="1200" dirty="0" err="1">
+                        <a:rPr lang="de-DE" sz="1800" kern="1200" dirty="0">
                           <a:solidFill>
                             <a:schemeClr val="bg1">
                               <a:lumMod val="50000"/>
@@ -6665,18 +6962,8 @@
                           <a:ea typeface="+mn-ea"/>
                           <a:cs typeface="Courier New" panose="02070309020205020404" pitchFamily="49" charset="0"/>
                         </a:rPr>
-                        <a:t>matrix</a:t>
+                        <a:t> </a:t>
                       </a:r>
-                      <a:endParaRPr lang="de-DE" sz="1800" kern="1200" dirty="0">
-                        <a:solidFill>
-                          <a:schemeClr val="bg1">
-                            <a:lumMod val="50000"/>
-                          </a:schemeClr>
-                        </a:solidFill>
-                        <a:latin typeface="Courier New" panose="02070309020205020404" pitchFamily="49" charset="0"/>
-                        <a:ea typeface="+mn-ea"/>
-                        <a:cs typeface="Courier New" panose="02070309020205020404" pitchFamily="49" charset="0"/>
-                      </a:endParaRPr>
                     </a:p>
                   </a:txBody>
                   <a:tcPr/>
@@ -6687,7 +6974,7 @@
                     <a:lstStyle/>
                     <a:p>
                       <a:r>
-                        <a:rPr lang="de-DE" sz="1800" kern="1200" dirty="0" err="1">
+                        <a:rPr lang="de-DE" sz="1800" kern="1200" dirty="0">
                           <a:solidFill>
                             <a:schemeClr val="bg1">
                               <a:lumMod val="50000"/>
@@ -6697,35 +6984,8 @@
                           <a:ea typeface="+mn-ea"/>
                           <a:cs typeface="Courier New" panose="02070309020205020404" pitchFamily="49" charset="0"/>
                         </a:rPr>
-                        <a:t>data</a:t>
+                        <a:t> </a:t>
                       </a:r>
-                      <a:r>
-                        <a:rPr lang="de-DE" dirty="0" err="1"/>
-                        <a:t>.</a:t>
-                      </a:r>
-                      <a:r>
-                        <a:rPr lang="de-DE" sz="1800" kern="1200" dirty="0" err="1">
-                          <a:solidFill>
-                            <a:schemeClr val="bg1">
-                              <a:lumMod val="50000"/>
-                            </a:schemeClr>
-                          </a:solidFill>
-                          <a:latin typeface="Courier New" panose="02070309020205020404" pitchFamily="49" charset="0"/>
-                          <a:ea typeface="+mn-ea"/>
-                          <a:cs typeface="Courier New" panose="02070309020205020404" pitchFamily="49" charset="0"/>
-                        </a:rPr>
-                        <a:t>frame</a:t>
-                      </a:r>
-                      <a:endParaRPr lang="de-DE" sz="1800" kern="1200" dirty="0">
-                        <a:solidFill>
-                          <a:schemeClr val="bg1">
-                            <a:lumMod val="50000"/>
-                          </a:schemeClr>
-                        </a:solidFill>
-                        <a:latin typeface="Courier New" panose="02070309020205020404" pitchFamily="49" charset="0"/>
-                        <a:ea typeface="+mn-ea"/>
-                        <a:cs typeface="Courier New" panose="02070309020205020404" pitchFamily="49" charset="0"/>
-                      </a:endParaRPr>
                     </a:p>
                   </a:txBody>
                   <a:tcPr/>
@@ -6757,7 +7017,7 @@
                     <a:lstStyle/>
                     <a:p>
                       <a:r>
-                        <a:rPr lang="de-DE" sz="1800" kern="1200" dirty="0" err="1">
+                        <a:rPr lang="de-DE" sz="1800" kern="1200" dirty="0">
                           <a:solidFill>
                             <a:schemeClr val="bg1">
                               <a:lumMod val="50000"/>
@@ -6767,18 +7027,8 @@
                           <a:ea typeface="+mn-ea"/>
                           <a:cs typeface="Courier New" panose="02070309020205020404" pitchFamily="49" charset="0"/>
                         </a:rPr>
-                        <a:t>array</a:t>
+                        <a:t> </a:t>
                       </a:r>
-                      <a:endParaRPr lang="de-DE" sz="1800" kern="1200" dirty="0">
-                        <a:solidFill>
-                          <a:schemeClr val="bg1">
-                            <a:lumMod val="50000"/>
-                          </a:schemeClr>
-                        </a:solidFill>
-                        <a:latin typeface="Courier New" panose="02070309020205020404" pitchFamily="49" charset="0"/>
-                        <a:ea typeface="+mn-ea"/>
-                        <a:cs typeface="Courier New" panose="02070309020205020404" pitchFamily="49" charset="0"/>
-                      </a:endParaRPr>
                     </a:p>
                   </a:txBody>
                   <a:tcPr/>
@@ -6816,7 +7066,7 @@
 </p:sld>
 </file>
 
-<file path=ppt/slides/slide13.xml><?xml version="1.0" encoding="utf-8"?>
+<file path=ppt/slides/slide14.xml><?xml version="1.0" encoding="utf-8"?>
 <p:sld xmlns:a="http://schemas.openxmlformats.org/drawingml/2006/main" xmlns:r="http://schemas.openxmlformats.org/officeDocument/2006/relationships" xmlns:p="http://schemas.openxmlformats.org/presentationml/2006/main">
   <p:cSld>
     <p:spTree>
@@ -6944,7 +7194,7 @@
             <a:fld id="{1206269C-C24E-4E80-9A4B-E7E19BB59A67}" type="slidenum">
               <a:rPr lang="de-AT" smtClean="0"/>
               <a:pPr/>
-              <a:t>13</a:t>
+              <a:t>14</a:t>
             </a:fld>
             <a:endParaRPr lang="de-AT" dirty="0"/>
           </a:p>
@@ -6965,7 +7215,7 @@
           <p:nvPr>
             <p:extLst>
               <p:ext uri="{D42A27DB-BD31-4B8C-83A1-F6EECF244321}">
-                <p14:modId xmlns:p14="http://schemas.microsoft.com/office/powerpoint/2010/main" val="2049874866"/>
+                <p14:modId xmlns:p14="http://schemas.microsoft.com/office/powerpoint/2010/main" val="1469299168"/>
               </p:ext>
             </p:extLst>
           </p:nvPr>
@@ -8002,7 +8252,7 @@
 </p:sld>
 </file>
 
-<file path=ppt/slides/slide14.xml><?xml version="1.0" encoding="utf-8"?>
+<file path=ppt/slides/slide15.xml><?xml version="1.0" encoding="utf-8"?>
 <p:sld xmlns:a="http://schemas.openxmlformats.org/drawingml/2006/main" xmlns:r="http://schemas.openxmlformats.org/officeDocument/2006/relationships" xmlns:p="http://schemas.openxmlformats.org/presentationml/2006/main">
   <p:cSld>
     <p:spTree>
@@ -8130,7 +8380,7 @@
             <a:fld id="{1206269C-C24E-4E80-9A4B-E7E19BB59A67}" type="slidenum">
               <a:rPr lang="de-AT" smtClean="0"/>
               <a:pPr/>
-              <a:t>14</a:t>
+              <a:t>15</a:t>
             </a:fld>
             <a:endParaRPr lang="de-AT" dirty="0"/>
           </a:p>
@@ -8151,7 +8401,7 @@
           <p:nvPr>
             <p:extLst>
               <p:ext uri="{D42A27DB-BD31-4B8C-83A1-F6EECF244321}">
-                <p14:modId xmlns:p14="http://schemas.microsoft.com/office/powerpoint/2010/main" val="191888140"/>
+                <p14:modId xmlns:p14="http://schemas.microsoft.com/office/powerpoint/2010/main" val="3401380559"/>
               </p:ext>
             </p:extLst>
           </p:nvPr>
@@ -9336,7 +9586,7 @@
 </p:sld>
 </file>
 
-<file path=ppt/slides/slide15.xml><?xml version="1.0" encoding="utf-8"?>
+<file path=ppt/slides/slide16.xml><?xml version="1.0" encoding="utf-8"?>
 <p:sld xmlns:a="http://schemas.openxmlformats.org/drawingml/2006/main" xmlns:r="http://schemas.openxmlformats.org/officeDocument/2006/relationships" xmlns:p="http://schemas.openxmlformats.org/presentationml/2006/main">
   <p:cSld>
     <p:spTree>
@@ -9435,7 +9685,7 @@
             <a:fld id="{1206269C-C24E-4E80-9A4B-E7E19BB59A67}" type="slidenum">
               <a:rPr lang="de-AT" smtClean="0"/>
               <a:pPr/>
-              <a:t>15</a:t>
+              <a:t>16</a:t>
             </a:fld>
             <a:endParaRPr lang="de-AT" dirty="0"/>
           </a:p>
@@ -9777,7 +10027,7 @@
               <a:buNone/>
             </a:pPr>
             <a:r>
-              <a:rPr lang="de-AT">
+              <a:rPr lang="de-AT" dirty="0">
                 <a:solidFill>
                   <a:srgbClr val="E6320F"/>
                 </a:solidFill>
@@ -9787,7 +10037,7 @@
           </a:p>
           <a:p>
             <a:r>
-              <a:rPr lang="de-AT">
+              <a:rPr lang="de-AT" dirty="0">
                 <a:solidFill>
                   <a:schemeClr val="bg1">
                     <a:lumMod val="50000"/>
@@ -9796,47 +10046,7 @@
                 <a:latin typeface="Courier New" panose="02070309020205020404" pitchFamily="49" charset="0"/>
                 <a:cs typeface="Courier New" panose="02070309020205020404" pitchFamily="49" charset="0"/>
               </a:rPr>
-              <a:t>[</a:t>
-            </a:r>
-            <a:r>
-              <a:rPr lang="de-AT">
-                <a:solidFill>
-                  <a:schemeClr val="tx1"/>
-                </a:solidFill>
-              </a:rPr>
-              <a:t>, </a:t>
-            </a:r>
-            <a:r>
-              <a:rPr lang="de-AT">
-                <a:solidFill>
-                  <a:schemeClr val="bg1">
-                    <a:lumMod val="50000"/>
-                  </a:schemeClr>
-                </a:solidFill>
-                <a:latin typeface="Courier New" panose="02070309020205020404" pitchFamily="49" charset="0"/>
-                <a:cs typeface="Courier New" panose="02070309020205020404" pitchFamily="49" charset="0"/>
-              </a:rPr>
-              <a:t>[[</a:t>
-            </a:r>
-            <a:r>
-              <a:rPr lang="de-AT">
-                <a:solidFill>
-                  <a:schemeClr val="tx1"/>
-                </a:solidFill>
-              </a:rPr>
-              <a:t>, </a:t>
-            </a:r>
-            <a:r>
-              <a:rPr lang="de-AT">
-                <a:solidFill>
-                  <a:schemeClr val="bg1">
-                    <a:lumMod val="50000"/>
-                  </a:schemeClr>
-                </a:solidFill>
-                <a:latin typeface="Courier New" panose="02070309020205020404" pitchFamily="49" charset="0"/>
-                <a:cs typeface="Courier New" panose="02070309020205020404" pitchFamily="49" charset="0"/>
-              </a:rPr>
-              <a:t>$</a:t>
+              <a:t> </a:t>
             </a:r>
           </a:p>
           <a:p>
@@ -9845,7 +10055,7 @@
               <a:buNone/>
             </a:pPr>
             <a:r>
-              <a:rPr lang="de-AT">
+              <a:rPr lang="de-AT" dirty="0">
                 <a:solidFill>
                   <a:srgbClr val="E6320F"/>
                 </a:solidFill>
@@ -9855,7 +10065,7 @@
           </a:p>
           <a:p>
             <a:r>
-              <a:rPr lang="de-AT">
+              <a:rPr lang="de-AT" dirty="0">
                 <a:solidFill>
                   <a:schemeClr val="bg1">
                     <a:lumMod val="50000"/>
@@ -9864,152 +10074,64 @@
                 <a:latin typeface="Courier New" panose="02070309020205020404" pitchFamily="49" charset="0"/>
                 <a:cs typeface="Courier New" panose="02070309020205020404" pitchFamily="49" charset="0"/>
               </a:rPr>
-              <a:t>logical</a:t>
-            </a:r>
-            <a:endParaRPr lang="de-AT">
-              <a:solidFill>
-                <a:schemeClr val="tx1"/>
-              </a:solidFill>
-            </a:endParaRPr>
-          </a:p>
-          <a:p>
-            <a:r>
-              <a:rPr lang="de-AT">
-                <a:solidFill>
-                  <a:schemeClr val="bg1">
-                    <a:lumMod val="50000"/>
-                  </a:schemeClr>
-                </a:solidFill>
-                <a:latin typeface="Courier New" panose="02070309020205020404" pitchFamily="49" charset="0"/>
-                <a:cs typeface="Courier New" panose="02070309020205020404" pitchFamily="49" charset="0"/>
-              </a:rPr>
-              <a:t>integer </a:t>
-            </a:r>
-            <a:r>
-              <a:rPr lang="de-AT">
-                <a:solidFill>
-                  <a:schemeClr val="tx1"/>
-                </a:solidFill>
-              </a:rPr>
-              <a:t>(positiv, negativ)</a:t>
-            </a:r>
-          </a:p>
-          <a:p>
-            <a:r>
-              <a:rPr lang="de-AT">
-                <a:solidFill>
-                  <a:schemeClr val="bg1">
-                    <a:lumMod val="50000"/>
-                  </a:schemeClr>
-                </a:solidFill>
-                <a:latin typeface="Courier New" panose="02070309020205020404" pitchFamily="49" charset="0"/>
-                <a:cs typeface="Courier New" panose="02070309020205020404" pitchFamily="49" charset="0"/>
-              </a:rPr>
-              <a:t>character</a:t>
-            </a:r>
-            <a:r>
-              <a:rPr lang="de-AT">
-                <a:solidFill>
-                  <a:schemeClr val="tx1"/>
-                </a:solidFill>
-              </a:rPr>
               <a:t> </a:t>
-            </a:r>
-          </a:p>
-          <a:p>
-            <a:r>
-              <a:rPr lang="de-AT">
-                <a:solidFill>
-                  <a:schemeClr val="tx1"/>
-                </a:solidFill>
-              </a:rPr>
-              <a:t>Null-wertig (leer, </a:t>
-            </a:r>
-            <a:r>
-              <a:rPr lang="de-AT">
-                <a:solidFill>
-                  <a:schemeClr val="bg1">
-                    <a:lumMod val="50000"/>
-                  </a:schemeClr>
-                </a:solidFill>
-                <a:latin typeface="Courier New" panose="02070309020205020404" pitchFamily="49" charset="0"/>
-                <a:cs typeface="Courier New" panose="02070309020205020404" pitchFamily="49" charset="0"/>
-              </a:rPr>
-              <a:t>NULL</a:t>
-            </a:r>
-            <a:r>
-              <a:rPr lang="de-AT">
-                <a:solidFill>
-                  <a:schemeClr val="tx1"/>
-                </a:solidFill>
-              </a:rPr>
-              <a:t>, </a:t>
-            </a:r>
-            <a:r>
-              <a:rPr lang="de-AT">
-                <a:solidFill>
-                  <a:schemeClr val="bg1">
-                    <a:lumMod val="50000"/>
-                  </a:schemeClr>
-                </a:solidFill>
-                <a:latin typeface="Courier New" panose="02070309020205020404" pitchFamily="49" charset="0"/>
-                <a:cs typeface="Courier New" panose="02070309020205020404" pitchFamily="49" charset="0"/>
-              </a:rPr>
-              <a:t>NA</a:t>
-            </a:r>
-            <a:r>
-              <a:rPr lang="de-AT">
-                <a:solidFill>
-                  <a:schemeClr val="tx1"/>
-                </a:solidFill>
-              </a:rPr>
-              <a:t>, </a:t>
-            </a:r>
-            <a:r>
-              <a:rPr lang="de-AT">
-                <a:solidFill>
-                  <a:schemeClr val="bg1">
-                    <a:lumMod val="50000"/>
-                  </a:schemeClr>
-                </a:solidFill>
-                <a:latin typeface="Courier New" panose="02070309020205020404" pitchFamily="49" charset="0"/>
-                <a:cs typeface="Courier New" panose="02070309020205020404" pitchFamily="49" charset="0"/>
-              </a:rPr>
-              <a:t>NA_real_</a:t>
-            </a:r>
-            <a:r>
-              <a:rPr lang="de-AT">
-                <a:solidFill>
-                  <a:schemeClr val="tx1"/>
-                </a:solidFill>
-              </a:rPr>
-              <a:t>, </a:t>
-            </a:r>
-            <a:r>
-              <a:rPr lang="de-AT">
-                <a:solidFill>
-                  <a:schemeClr val="bg1">
-                    <a:lumMod val="50000"/>
-                  </a:schemeClr>
-                </a:solidFill>
-                <a:latin typeface="Courier New" panose="02070309020205020404" pitchFamily="49" charset="0"/>
-                <a:cs typeface="Courier New" panose="02070309020205020404" pitchFamily="49" charset="0"/>
-              </a:rPr>
-              <a:t>0</a:t>
-            </a:r>
-            <a:r>
-              <a:rPr lang="de-AT">
-                <a:solidFill>
-                  <a:schemeClr val="tx1"/>
-                </a:solidFill>
-              </a:rPr>
-              <a:t>) </a:t>
             </a:r>
             <a:endParaRPr lang="de-AT" dirty="0">
               <a:solidFill>
                 <a:schemeClr val="tx1"/>
               </a:solidFill>
             </a:endParaRPr>
+          </a:p>
+          <a:p>
+            <a:r>
+              <a:rPr lang="de-AT" dirty="0">
+                <a:solidFill>
+                  <a:schemeClr val="bg1">
+                    <a:lumMod val="50000"/>
+                  </a:schemeClr>
+                </a:solidFill>
+                <a:latin typeface="Courier New" panose="02070309020205020404" pitchFamily="49" charset="0"/>
+                <a:cs typeface="Courier New" panose="02070309020205020404" pitchFamily="49" charset="0"/>
+              </a:rPr>
+              <a:t> </a:t>
+            </a:r>
+            <a:endParaRPr lang="de-AT" dirty="0">
+              <a:solidFill>
+                <a:schemeClr val="tx1"/>
+              </a:solidFill>
+            </a:endParaRPr>
+          </a:p>
+          <a:p>
+            <a:r>
+              <a:rPr lang="de-AT" dirty="0">
+                <a:solidFill>
+                  <a:schemeClr val="bg1">
+                    <a:lumMod val="50000"/>
+                  </a:schemeClr>
+                </a:solidFill>
+                <a:latin typeface="Courier New" panose="02070309020205020404" pitchFamily="49" charset="0"/>
+                <a:cs typeface="Courier New" panose="02070309020205020404" pitchFamily="49" charset="0"/>
+              </a:rPr>
+              <a:t> </a:t>
+            </a:r>
+            <a:r>
+              <a:rPr lang="de-AT" dirty="0">
+                <a:solidFill>
+                  <a:schemeClr val="tx1"/>
+                </a:solidFill>
+              </a:rPr>
+              <a:t> </a:t>
+            </a:r>
+          </a:p>
+          <a:p>
+            <a:r>
+              <a:rPr lang="de-AT" dirty="0">
+                <a:solidFill>
+                  <a:schemeClr val="tx1"/>
+                </a:solidFill>
+              </a:rPr>
+              <a:t> </a:t>
+            </a:r>
           </a:p>
         </p:txBody>
       </p:sp>
@@ -10086,7 +10208,7 @@
 </p:sld>
 </file>
 
-<file path=ppt/slides/slide16.xml><?xml version="1.0" encoding="utf-8"?>
+<file path=ppt/slides/slide17.xml><?xml version="1.0" encoding="utf-8"?>
 <p:sld xmlns:a="http://schemas.openxmlformats.org/drawingml/2006/main" xmlns:r="http://schemas.openxmlformats.org/officeDocument/2006/relationships" xmlns:p="http://schemas.openxmlformats.org/presentationml/2006/main">
   <p:cSld>
     <p:spTree>
@@ -10214,7 +10336,7 @@
             <a:fld id="{1206269C-C24E-4E80-9A4B-E7E19BB59A67}" type="slidenum">
               <a:rPr lang="de-AT" smtClean="0"/>
               <a:pPr/>
-              <a:t>16</a:t>
+              <a:t>17</a:t>
             </a:fld>
             <a:endParaRPr lang="de-AT" dirty="0"/>
           </a:p>
@@ -10892,7 +11014,7 @@
 </p:sld>
 </file>
 
-<file path=ppt/slides/slide17.xml><?xml version="1.0" encoding="utf-8"?>
+<file path=ppt/slides/slide18.xml><?xml version="1.0" encoding="utf-8"?>
 <p:sld xmlns:a="http://schemas.openxmlformats.org/drawingml/2006/main" xmlns:r="http://schemas.openxmlformats.org/officeDocument/2006/relationships" xmlns:p="http://schemas.openxmlformats.org/presentationml/2006/main">
   <p:cSld>
     <p:spTree>
@@ -11024,7 +11146,7 @@
             <a:fld id="{1206269C-C24E-4E80-9A4B-E7E19BB59A67}" type="slidenum">
               <a:rPr lang="de-AT" smtClean="0"/>
               <a:pPr/>
-              <a:t>17</a:t>
+              <a:t>18</a:t>
             </a:fld>
             <a:endParaRPr lang="de-AT" dirty="0"/>
           </a:p>
@@ -11043,7 +11165,7 @@
 </p:sld>
 </file>
 
-<file path=ppt/slides/slide18.xml><?xml version="1.0" encoding="utf-8"?>
+<file path=ppt/slides/slide19.xml><?xml version="1.0" encoding="utf-8"?>
 <p:sld xmlns:a="http://schemas.openxmlformats.org/drawingml/2006/main" xmlns:r="http://schemas.openxmlformats.org/officeDocument/2006/relationships" xmlns:p="http://schemas.openxmlformats.org/presentationml/2006/main">
   <p:cSld>
     <p:spTree>
@@ -11171,7 +11293,7 @@
             <a:fld id="{1206269C-C24E-4E80-9A4B-E7E19BB59A67}" type="slidenum">
               <a:rPr lang="de-AT" smtClean="0"/>
               <a:pPr/>
-              <a:t>18</a:t>
+              <a:t>19</a:t>
             </a:fld>
             <a:endParaRPr lang="de-AT" dirty="0"/>
           </a:p>
@@ -11181,387 +11303,6 @@
     <p:extLst>
       <p:ext uri="{BB962C8B-B14F-4D97-AF65-F5344CB8AC3E}">
         <p14:creationId xmlns:p14="http://schemas.microsoft.com/office/powerpoint/2010/main" val="3721397907"/>
-      </p:ext>
-    </p:extLst>
-  </p:cSld>
-  <p:clrMapOvr>
-    <a:masterClrMapping/>
-  </p:clrMapOvr>
-</p:sld>
-</file>
-
-<file path=ppt/slides/slide19.xml><?xml version="1.0" encoding="utf-8"?>
-<p:sld xmlns:a="http://schemas.openxmlformats.org/drawingml/2006/main" xmlns:r="http://schemas.openxmlformats.org/officeDocument/2006/relationships" xmlns:p="http://schemas.openxmlformats.org/presentationml/2006/main">
-  <p:cSld>
-    <p:spTree>
-      <p:nvGrpSpPr>
-        <p:cNvPr id="1" name=""/>
-        <p:cNvGrpSpPr/>
-        <p:nvPr/>
-      </p:nvGrpSpPr>
-      <p:grpSpPr>
-        <a:xfrm>
-          <a:off x="0" y="0"/>
-          <a:ext cx="0" cy="0"/>
-          <a:chOff x="0" y="0"/>
-          <a:chExt cx="0" cy="0"/>
-        </a:xfrm>
-      </p:grpSpPr>
-      <p:sp>
-        <p:nvSpPr>
-          <p:cNvPr id="7" name="Titel 6"/>
-          <p:cNvSpPr>
-            <a:spLocks noGrp="1"/>
-          </p:cNvSpPr>
-          <p:nvPr>
-            <p:ph type="title"/>
-          </p:nvPr>
-        </p:nvSpPr>
-        <p:spPr/>
-        <p:txBody>
-          <a:bodyPr/>
-          <a:lstStyle/>
-          <a:p>
-            <a:r>
-              <a:rPr lang="de-AT" dirty="0">
-                <a:solidFill>
-                  <a:srgbClr val="E6320F"/>
-                </a:solidFill>
-              </a:rPr>
-              <a:t>Jenny Brian [@</a:t>
-            </a:r>
-            <a:r>
-              <a:rPr lang="de-AT" dirty="0" err="1">
-                <a:solidFill>
-                  <a:srgbClr val="E6320F"/>
-                </a:solidFill>
-              </a:rPr>
-              <a:t>Rstudio</a:t>
-            </a:r>
-            <a:r>
-              <a:rPr lang="de-AT" dirty="0">
-                <a:solidFill>
-                  <a:srgbClr val="E6320F"/>
-                </a:solidFill>
-              </a:rPr>
-              <a:t>] über </a:t>
-            </a:r>
-            <a:r>
-              <a:rPr lang="de-AT" i="1" dirty="0">
-                <a:solidFill>
-                  <a:srgbClr val="E6320F"/>
-                </a:solidFill>
-              </a:rPr>
-              <a:t>Project Workflow</a:t>
-            </a:r>
-            <a:endParaRPr lang="de-DE" dirty="0">
-              <a:solidFill>
-                <a:srgbClr val="E6320F"/>
-              </a:solidFill>
-            </a:endParaRPr>
-          </a:p>
-        </p:txBody>
-      </p:sp>
-      <p:sp>
-        <p:nvSpPr>
-          <p:cNvPr id="5" name="Fußzeilenplatzhalter 4"/>
-          <p:cNvSpPr>
-            <a:spLocks noGrp="1"/>
-          </p:cNvSpPr>
-          <p:nvPr>
-            <p:ph type="ftr" sz="quarter" idx="10"/>
-          </p:nvPr>
-        </p:nvSpPr>
-        <p:spPr/>
-        <p:txBody>
-          <a:bodyPr/>
-          <a:lstStyle/>
-          <a:p>
-            <a:r>
-              <a:rPr lang="de-DE" dirty="0"/>
-              <a:t>Workshop 5: </a:t>
-            </a:r>
-            <a:r>
-              <a:rPr lang="de-DE" dirty="0" err="1"/>
-              <a:t>Advanced</a:t>
-            </a:r>
-            <a:r>
-              <a:rPr lang="de-DE" dirty="0"/>
-              <a:t> R</a:t>
-            </a:r>
-            <a:endParaRPr lang="de-AT" dirty="0"/>
-          </a:p>
-        </p:txBody>
-      </p:sp>
-      <p:sp>
-        <p:nvSpPr>
-          <p:cNvPr id="6" name="Foliennummernplatzhalter 5"/>
-          <p:cNvSpPr>
-            <a:spLocks noGrp="1"/>
-          </p:cNvSpPr>
-          <p:nvPr>
-            <p:ph type="sldNum" sz="quarter" idx="11"/>
-          </p:nvPr>
-        </p:nvSpPr>
-        <p:spPr/>
-        <p:txBody>
-          <a:bodyPr/>
-          <a:lstStyle/>
-          <a:p>
-            <a:fld id="{1206269C-C24E-4E80-9A4B-E7E19BB59A67}" type="slidenum">
-              <a:rPr lang="de-AT" smtClean="0"/>
-              <a:pPr/>
-              <a:t>19</a:t>
-            </a:fld>
-            <a:endParaRPr lang="de-AT" dirty="0"/>
-          </a:p>
-        </p:txBody>
-      </p:sp>
-      <p:sp>
-        <p:nvSpPr>
-          <p:cNvPr id="3" name="Textplatzhalter 2"/>
-          <p:cNvSpPr>
-            <a:spLocks noGrp="1"/>
-          </p:cNvSpPr>
-          <p:nvPr>
-            <p:ph type="body" sz="quarter" idx="14"/>
-          </p:nvPr>
-        </p:nvSpPr>
-        <p:spPr>
-          <a:xfrm>
-            <a:off x="2419350" y="1630800"/>
-            <a:ext cx="6099175" cy="2977200"/>
-          </a:xfrm>
-        </p:spPr>
-        <p:txBody>
-          <a:bodyPr>
-            <a:normAutofit/>
-          </a:bodyPr>
-          <a:lstStyle/>
-          <a:p>
-            <a:pPr marL="0" indent="0" defTabSz="914400" eaLnBrk="0" fontAlgn="base" hangingPunct="0">
-              <a:spcBef>
-                <a:spcPct val="0"/>
-              </a:spcBef>
-              <a:spcAft>
-                <a:spcPct val="0"/>
-              </a:spcAft>
-              <a:buSzTx/>
-              <a:buNone/>
-            </a:pPr>
-            <a:r>
-              <a:rPr lang="en-US" altLang="de-DE" sz="1800" dirty="0"/>
-              <a:t>If the first line of your R script is</a:t>
-            </a:r>
-          </a:p>
-          <a:p>
-            <a:pPr marL="504000" lvl="2" indent="0" eaLnBrk="0" fontAlgn="base" hangingPunct="0">
-              <a:spcBef>
-                <a:spcPct val="0"/>
-              </a:spcBef>
-              <a:spcAft>
-                <a:spcPct val="0"/>
-              </a:spcAft>
-              <a:buNone/>
-            </a:pPr>
-            <a:r>
-              <a:rPr lang="en-US" altLang="de-DE" dirty="0" err="1">
-                <a:solidFill>
-                  <a:schemeClr val="bg1">
-                    <a:lumMod val="50000"/>
-                  </a:schemeClr>
-                </a:solidFill>
-                <a:latin typeface="Courier New" panose="02070309020205020404" pitchFamily="49" charset="0"/>
-                <a:ea typeface="Cambria Math" panose="02040503050406030204" pitchFamily="18" charset="0"/>
-                <a:cs typeface="Courier New" panose="02070309020205020404" pitchFamily="49" charset="0"/>
-              </a:rPr>
-              <a:t>setwd</a:t>
-            </a:r>
-            <a:r>
-              <a:rPr lang="en-US" altLang="de-DE" dirty="0">
-                <a:solidFill>
-                  <a:schemeClr val="bg1">
-                    <a:lumMod val="50000"/>
-                  </a:schemeClr>
-                </a:solidFill>
-                <a:latin typeface="Courier New" panose="02070309020205020404" pitchFamily="49" charset="0"/>
-                <a:ea typeface="Cambria Math" panose="02040503050406030204" pitchFamily="18" charset="0"/>
-                <a:cs typeface="Courier New" panose="02070309020205020404" pitchFamily="49" charset="0"/>
-              </a:rPr>
-              <a:t>("C:\Users\jenny\path\that\only\I\have")</a:t>
-            </a:r>
-          </a:p>
-          <a:p>
-            <a:pPr marL="0" indent="0" defTabSz="914400" eaLnBrk="0" fontAlgn="base" hangingPunct="0">
-              <a:spcBef>
-                <a:spcPct val="0"/>
-              </a:spcBef>
-              <a:spcAft>
-                <a:spcPct val="0"/>
-              </a:spcAft>
-              <a:buSzTx/>
-              <a:buNone/>
-            </a:pPr>
-            <a:r>
-              <a:rPr lang="en-US" altLang="de-DE" sz="1800" dirty="0"/>
-              <a:t>I will come into your office and SET YOUR COMPUTER ON 🔥.</a:t>
-            </a:r>
-          </a:p>
-          <a:p>
-            <a:pPr marL="0" lvl="0" indent="0" defTabSz="914400" eaLnBrk="0" fontAlgn="base" hangingPunct="0">
-              <a:spcBef>
-                <a:spcPct val="0"/>
-              </a:spcBef>
-              <a:spcAft>
-                <a:spcPct val="0"/>
-              </a:spcAft>
-              <a:buSzTx/>
-              <a:buNone/>
-            </a:pPr>
-            <a:endParaRPr lang="en-US" altLang="de-DE" sz="1800" dirty="0">
-              <a:solidFill>
-                <a:schemeClr val="accent1">
-                  <a:lumMod val="75000"/>
-                </a:schemeClr>
-              </a:solidFill>
-            </a:endParaRPr>
-          </a:p>
-          <a:p>
-            <a:pPr marL="0" lvl="0" indent="0" defTabSz="914400" eaLnBrk="0" fontAlgn="base" hangingPunct="0">
-              <a:spcBef>
-                <a:spcPct val="0"/>
-              </a:spcBef>
-              <a:spcAft>
-                <a:spcPct val="0"/>
-              </a:spcAft>
-              <a:buSzTx/>
-              <a:buNone/>
-            </a:pPr>
-            <a:r>
-              <a:rPr lang="en-US" altLang="de-DE" sz="1800" dirty="0"/>
-              <a:t>If the first line of your R script is </a:t>
-            </a:r>
-          </a:p>
-          <a:p>
-            <a:pPr marL="504000" lvl="2" indent="0" eaLnBrk="0" fontAlgn="base" hangingPunct="0">
-              <a:spcBef>
-                <a:spcPct val="0"/>
-              </a:spcBef>
-              <a:spcAft>
-                <a:spcPct val="0"/>
-              </a:spcAft>
-              <a:buNone/>
-            </a:pPr>
-            <a:r>
-              <a:rPr lang="en-US" altLang="de-DE" dirty="0">
-                <a:solidFill>
-                  <a:schemeClr val="bg1">
-                    <a:lumMod val="50000"/>
-                  </a:schemeClr>
-                </a:solidFill>
-                <a:latin typeface="Courier New" panose="02070309020205020404" pitchFamily="49" charset="0"/>
-                <a:ea typeface="Cambria Math" panose="02040503050406030204" pitchFamily="18" charset="0"/>
-                <a:cs typeface="Courier New" panose="02070309020205020404" pitchFamily="49" charset="0"/>
-              </a:rPr>
-              <a:t>rm(list = ls())</a:t>
-            </a:r>
-          </a:p>
-          <a:p>
-            <a:pPr marL="0" lvl="0" indent="0" defTabSz="914400" eaLnBrk="0" fontAlgn="base" hangingPunct="0">
-              <a:spcBef>
-                <a:spcPct val="0"/>
-              </a:spcBef>
-              <a:spcAft>
-                <a:spcPct val="0"/>
-              </a:spcAft>
-              <a:buSzTx/>
-              <a:buNone/>
-            </a:pPr>
-            <a:r>
-              <a:rPr lang="en-US" altLang="de-DE" sz="1800" dirty="0"/>
-              <a:t>I will come into your office and SET YOUR COMPUTER ON 🔥.</a:t>
-            </a:r>
-          </a:p>
-          <a:p>
-            <a:pPr marL="0" lvl="0" indent="0" defTabSz="914400" eaLnBrk="0" fontAlgn="base" hangingPunct="0">
-              <a:spcBef>
-                <a:spcPct val="0"/>
-              </a:spcBef>
-              <a:spcAft>
-                <a:spcPct val="0"/>
-              </a:spcAft>
-              <a:buSzTx/>
-              <a:buNone/>
-            </a:pPr>
-            <a:endParaRPr lang="en-US" altLang="de-DE" dirty="0"/>
-          </a:p>
-          <a:p>
-            <a:pPr marL="0" lvl="0" indent="0" defTabSz="914400" eaLnBrk="0" fontAlgn="base" hangingPunct="0">
-              <a:spcBef>
-                <a:spcPct val="0"/>
-              </a:spcBef>
-              <a:spcAft>
-                <a:spcPct val="0"/>
-              </a:spcAft>
-              <a:buSzTx/>
-              <a:buNone/>
-            </a:pPr>
-            <a:r>
-              <a:rPr lang="de-AT" dirty="0">
-                <a:hlinkClick r:id="rId3"/>
-              </a:rPr>
-              <a:t>https://www.tidyverse.org/articles/2017/12/workflow-vs-script/</a:t>
-            </a:r>
-            <a:r>
-              <a:rPr lang="de-AT" dirty="0"/>
-              <a:t> </a:t>
-            </a:r>
-          </a:p>
-        </p:txBody>
-      </p:sp>
-      <p:pic>
-        <p:nvPicPr>
-          <p:cNvPr id="8" name="Grafik 7" descr="Ordnersuche mit einfarbiger Füllung">
-            <a:extLst>
-              <a:ext uri="{FF2B5EF4-FFF2-40B4-BE49-F238E27FC236}">
-                <a16:creationId xmlns:a16="http://schemas.microsoft.com/office/drawing/2014/main" id="{880F457D-5802-4BB4-8399-19DA8AE7D13A}"/>
-              </a:ext>
-            </a:extLst>
-          </p:cNvPr>
-          <p:cNvPicPr>
-            <a:picLocks noChangeAspect="1"/>
-          </p:cNvPicPr>
-          <p:nvPr/>
-        </p:nvPicPr>
-        <p:blipFill>
-          <a:blip r:embed="rId4">
-            <a:extLst>
-              <a:ext uri="{28A0092B-C50C-407E-A947-70E740481C1C}">
-                <a14:useLocalDpi xmlns:a14="http://schemas.microsoft.com/office/drawing/2010/main" val="0"/>
-              </a:ext>
-              <a:ext uri="{96DAC541-7B7A-43D3-8B79-37D633B846F1}">
-                <asvg:svgBlip xmlns:asvg="http://schemas.microsoft.com/office/drawing/2016/SVG/main" r:embed="rId5"/>
-              </a:ext>
-            </a:extLst>
-          </a:blip>
-          <a:stretch>
-            <a:fillRect/>
-          </a:stretch>
-        </p:blipFill>
-        <p:spPr>
-          <a:xfrm>
-            <a:off x="387348" y="1628203"/>
-            <a:ext cx="2204254" cy="2204254"/>
-          </a:xfrm>
-          <a:prstGeom prst="rect">
-            <a:avLst/>
-          </a:prstGeom>
-        </p:spPr>
-      </p:pic>
-    </p:spTree>
-    <p:extLst>
-      <p:ext uri="{BB962C8B-B14F-4D97-AF65-F5344CB8AC3E}">
-        <p14:creationId xmlns:p14="http://schemas.microsoft.com/office/powerpoint/2010/main" val="315333125"/>
       </p:ext>
     </p:extLst>
   </p:cSld>
@@ -11684,7 +11425,7 @@
         </p:spPr>
         <p:txBody>
           <a:bodyPr>
-            <a:normAutofit/>
+            <a:normAutofit lnSpcReduction="10000"/>
           </a:bodyPr>
           <a:lstStyle/>
           <a:p>
@@ -11706,19 +11447,22 @@
           <a:p>
             <a:r>
               <a:rPr lang="de-AT" dirty="0"/>
-              <a:t>Arbeitsverzeichnis (UBS-Stick/</a:t>
-            </a:r>
-            <a:r>
-              <a:rPr lang="de-AT" dirty="0" err="1">
-                <a:highlight>
-                  <a:srgbClr val="FFFF00"/>
-                </a:highlight>
-              </a:rPr>
+              <a:t>Arbeitsverzeichnis (</a:t>
+            </a:r>
+            <a:r>
+              <a:rPr lang="de-AT" dirty="0" err="1"/>
               <a:t>github</a:t>
             </a:r>
             <a:r>
               <a:rPr lang="de-AT" dirty="0"/>
-              <a:t>)</a:t>
+              <a:t>) </a:t>
+            </a:r>
+          </a:p>
+          <a:p>
+            <a:pPr lvl="1"/>
+            <a:r>
+              <a:rPr lang="de-AT" dirty="0"/>
+              <a:t>https://github.com/thkiefer/WS5_Advanced-R</a:t>
             </a:r>
           </a:p>
           <a:p>
@@ -11879,6 +11623,387 @@
           <a:lstStyle/>
           <a:p>
             <a:r>
+              <a:rPr lang="de-AT" dirty="0">
+                <a:solidFill>
+                  <a:srgbClr val="E6320F"/>
+                </a:solidFill>
+              </a:rPr>
+              <a:t>Jenny Brian [@</a:t>
+            </a:r>
+            <a:r>
+              <a:rPr lang="de-AT" dirty="0" err="1">
+                <a:solidFill>
+                  <a:srgbClr val="E6320F"/>
+                </a:solidFill>
+              </a:rPr>
+              <a:t>Rstudio</a:t>
+            </a:r>
+            <a:r>
+              <a:rPr lang="de-AT" dirty="0">
+                <a:solidFill>
+                  <a:srgbClr val="E6320F"/>
+                </a:solidFill>
+              </a:rPr>
+              <a:t>] über </a:t>
+            </a:r>
+            <a:r>
+              <a:rPr lang="de-AT" i="1" dirty="0">
+                <a:solidFill>
+                  <a:srgbClr val="E6320F"/>
+                </a:solidFill>
+              </a:rPr>
+              <a:t>Project Workflow</a:t>
+            </a:r>
+            <a:endParaRPr lang="de-DE" dirty="0">
+              <a:solidFill>
+                <a:srgbClr val="E6320F"/>
+              </a:solidFill>
+            </a:endParaRPr>
+          </a:p>
+        </p:txBody>
+      </p:sp>
+      <p:sp>
+        <p:nvSpPr>
+          <p:cNvPr id="5" name="Fußzeilenplatzhalter 4"/>
+          <p:cNvSpPr>
+            <a:spLocks noGrp="1"/>
+          </p:cNvSpPr>
+          <p:nvPr>
+            <p:ph type="ftr" sz="quarter" idx="10"/>
+          </p:nvPr>
+        </p:nvSpPr>
+        <p:spPr/>
+        <p:txBody>
+          <a:bodyPr/>
+          <a:lstStyle/>
+          <a:p>
+            <a:r>
+              <a:rPr lang="de-DE" dirty="0"/>
+              <a:t>Workshop 5: </a:t>
+            </a:r>
+            <a:r>
+              <a:rPr lang="de-DE" dirty="0" err="1"/>
+              <a:t>Advanced</a:t>
+            </a:r>
+            <a:r>
+              <a:rPr lang="de-DE" dirty="0"/>
+              <a:t> R</a:t>
+            </a:r>
+            <a:endParaRPr lang="de-AT" dirty="0"/>
+          </a:p>
+        </p:txBody>
+      </p:sp>
+      <p:sp>
+        <p:nvSpPr>
+          <p:cNvPr id="6" name="Foliennummernplatzhalter 5"/>
+          <p:cNvSpPr>
+            <a:spLocks noGrp="1"/>
+          </p:cNvSpPr>
+          <p:nvPr>
+            <p:ph type="sldNum" sz="quarter" idx="11"/>
+          </p:nvPr>
+        </p:nvSpPr>
+        <p:spPr/>
+        <p:txBody>
+          <a:bodyPr/>
+          <a:lstStyle/>
+          <a:p>
+            <a:fld id="{1206269C-C24E-4E80-9A4B-E7E19BB59A67}" type="slidenum">
+              <a:rPr lang="de-AT" smtClean="0"/>
+              <a:pPr/>
+              <a:t>20</a:t>
+            </a:fld>
+            <a:endParaRPr lang="de-AT" dirty="0"/>
+          </a:p>
+        </p:txBody>
+      </p:sp>
+      <p:sp>
+        <p:nvSpPr>
+          <p:cNvPr id="3" name="Textplatzhalter 2"/>
+          <p:cNvSpPr>
+            <a:spLocks noGrp="1"/>
+          </p:cNvSpPr>
+          <p:nvPr>
+            <p:ph type="body" sz="quarter" idx="14"/>
+          </p:nvPr>
+        </p:nvSpPr>
+        <p:spPr>
+          <a:xfrm>
+            <a:off x="2419350" y="1630800"/>
+            <a:ext cx="6099175" cy="2977200"/>
+          </a:xfrm>
+        </p:spPr>
+        <p:txBody>
+          <a:bodyPr>
+            <a:normAutofit/>
+          </a:bodyPr>
+          <a:lstStyle/>
+          <a:p>
+            <a:pPr marL="0" indent="0" defTabSz="914400" eaLnBrk="0" fontAlgn="base" hangingPunct="0">
+              <a:spcBef>
+                <a:spcPct val="0"/>
+              </a:spcBef>
+              <a:spcAft>
+                <a:spcPct val="0"/>
+              </a:spcAft>
+              <a:buSzTx/>
+              <a:buNone/>
+            </a:pPr>
+            <a:r>
+              <a:rPr lang="en-US" altLang="de-DE" sz="1800" dirty="0"/>
+              <a:t>If the first line of your R script is</a:t>
+            </a:r>
+          </a:p>
+          <a:p>
+            <a:pPr marL="504000" lvl="2" indent="0" eaLnBrk="0" fontAlgn="base" hangingPunct="0">
+              <a:spcBef>
+                <a:spcPct val="0"/>
+              </a:spcBef>
+              <a:spcAft>
+                <a:spcPct val="0"/>
+              </a:spcAft>
+              <a:buNone/>
+            </a:pPr>
+            <a:r>
+              <a:rPr lang="en-US" altLang="de-DE" dirty="0" err="1">
+                <a:solidFill>
+                  <a:schemeClr val="bg1">
+                    <a:lumMod val="50000"/>
+                  </a:schemeClr>
+                </a:solidFill>
+                <a:latin typeface="Courier New" panose="02070309020205020404" pitchFamily="49" charset="0"/>
+                <a:ea typeface="Cambria Math" panose="02040503050406030204" pitchFamily="18" charset="0"/>
+                <a:cs typeface="Courier New" panose="02070309020205020404" pitchFamily="49" charset="0"/>
+              </a:rPr>
+              <a:t>setwd</a:t>
+            </a:r>
+            <a:r>
+              <a:rPr lang="en-US" altLang="de-DE" dirty="0">
+                <a:solidFill>
+                  <a:schemeClr val="bg1">
+                    <a:lumMod val="50000"/>
+                  </a:schemeClr>
+                </a:solidFill>
+                <a:latin typeface="Courier New" panose="02070309020205020404" pitchFamily="49" charset="0"/>
+                <a:ea typeface="Cambria Math" panose="02040503050406030204" pitchFamily="18" charset="0"/>
+                <a:cs typeface="Courier New" panose="02070309020205020404" pitchFamily="49" charset="0"/>
+              </a:rPr>
+              <a:t>("C:\Users\jenny\path\that\only\I\have")</a:t>
+            </a:r>
+          </a:p>
+          <a:p>
+            <a:pPr marL="0" indent="0" defTabSz="914400" eaLnBrk="0" fontAlgn="base" hangingPunct="0">
+              <a:spcBef>
+                <a:spcPct val="0"/>
+              </a:spcBef>
+              <a:spcAft>
+                <a:spcPct val="0"/>
+              </a:spcAft>
+              <a:buSzTx/>
+              <a:buNone/>
+            </a:pPr>
+            <a:r>
+              <a:rPr lang="en-US" altLang="de-DE" sz="1800" dirty="0"/>
+              <a:t>I will come into your office and SET YOUR COMPUTER ON 🔥.</a:t>
+            </a:r>
+          </a:p>
+          <a:p>
+            <a:pPr marL="0" lvl="0" indent="0" defTabSz="914400" eaLnBrk="0" fontAlgn="base" hangingPunct="0">
+              <a:spcBef>
+                <a:spcPct val="0"/>
+              </a:spcBef>
+              <a:spcAft>
+                <a:spcPct val="0"/>
+              </a:spcAft>
+              <a:buSzTx/>
+              <a:buNone/>
+            </a:pPr>
+            <a:endParaRPr lang="en-US" altLang="de-DE" sz="1800" dirty="0">
+              <a:solidFill>
+                <a:schemeClr val="accent1">
+                  <a:lumMod val="75000"/>
+                </a:schemeClr>
+              </a:solidFill>
+            </a:endParaRPr>
+          </a:p>
+          <a:p>
+            <a:pPr marL="0" lvl="0" indent="0" defTabSz="914400" eaLnBrk="0" fontAlgn="base" hangingPunct="0">
+              <a:spcBef>
+                <a:spcPct val="0"/>
+              </a:spcBef>
+              <a:spcAft>
+                <a:spcPct val="0"/>
+              </a:spcAft>
+              <a:buSzTx/>
+              <a:buNone/>
+            </a:pPr>
+            <a:r>
+              <a:rPr lang="en-US" altLang="de-DE" sz="1800" dirty="0"/>
+              <a:t>If the first line of your R script is </a:t>
+            </a:r>
+          </a:p>
+          <a:p>
+            <a:pPr marL="504000" lvl="2" indent="0" eaLnBrk="0" fontAlgn="base" hangingPunct="0">
+              <a:spcBef>
+                <a:spcPct val="0"/>
+              </a:spcBef>
+              <a:spcAft>
+                <a:spcPct val="0"/>
+              </a:spcAft>
+              <a:buNone/>
+            </a:pPr>
+            <a:r>
+              <a:rPr lang="en-US" altLang="de-DE" dirty="0">
+                <a:solidFill>
+                  <a:schemeClr val="bg1">
+                    <a:lumMod val="50000"/>
+                  </a:schemeClr>
+                </a:solidFill>
+                <a:latin typeface="Courier New" panose="02070309020205020404" pitchFamily="49" charset="0"/>
+                <a:ea typeface="Cambria Math" panose="02040503050406030204" pitchFamily="18" charset="0"/>
+                <a:cs typeface="Courier New" panose="02070309020205020404" pitchFamily="49" charset="0"/>
+              </a:rPr>
+              <a:t>rm(list = ls())</a:t>
+            </a:r>
+          </a:p>
+          <a:p>
+            <a:pPr marL="0" lvl="0" indent="0" defTabSz="914400" eaLnBrk="0" fontAlgn="base" hangingPunct="0">
+              <a:spcBef>
+                <a:spcPct val="0"/>
+              </a:spcBef>
+              <a:spcAft>
+                <a:spcPct val="0"/>
+              </a:spcAft>
+              <a:buSzTx/>
+              <a:buNone/>
+            </a:pPr>
+            <a:r>
+              <a:rPr lang="en-US" altLang="de-DE" sz="1800" dirty="0"/>
+              <a:t>I will come into your office and SET YOUR COMPUTER ON 🔥.</a:t>
+            </a:r>
+          </a:p>
+          <a:p>
+            <a:pPr marL="0" lvl="0" indent="0" defTabSz="914400" eaLnBrk="0" fontAlgn="base" hangingPunct="0">
+              <a:spcBef>
+                <a:spcPct val="0"/>
+              </a:spcBef>
+              <a:spcAft>
+                <a:spcPct val="0"/>
+              </a:spcAft>
+              <a:buSzTx/>
+              <a:buNone/>
+            </a:pPr>
+            <a:endParaRPr lang="en-US" altLang="de-DE" dirty="0"/>
+          </a:p>
+          <a:p>
+            <a:pPr marL="0" lvl="0" indent="0" defTabSz="914400" eaLnBrk="0" fontAlgn="base" hangingPunct="0">
+              <a:spcBef>
+                <a:spcPct val="0"/>
+              </a:spcBef>
+              <a:spcAft>
+                <a:spcPct val="0"/>
+              </a:spcAft>
+              <a:buSzTx/>
+              <a:buNone/>
+            </a:pPr>
+            <a:r>
+              <a:rPr lang="de-AT" dirty="0">
+                <a:hlinkClick r:id="rId3"/>
+              </a:rPr>
+              <a:t>https://www.tidyverse.org/articles/2017/12/workflow-vs-script/</a:t>
+            </a:r>
+            <a:r>
+              <a:rPr lang="de-AT" dirty="0"/>
+              <a:t> </a:t>
+            </a:r>
+          </a:p>
+        </p:txBody>
+      </p:sp>
+      <p:pic>
+        <p:nvPicPr>
+          <p:cNvPr id="8" name="Grafik 7" descr="Ordnersuche mit einfarbiger Füllung">
+            <a:extLst>
+              <a:ext uri="{FF2B5EF4-FFF2-40B4-BE49-F238E27FC236}">
+                <a16:creationId xmlns:a16="http://schemas.microsoft.com/office/drawing/2014/main" id="{880F457D-5802-4BB4-8399-19DA8AE7D13A}"/>
+              </a:ext>
+            </a:extLst>
+          </p:cNvPr>
+          <p:cNvPicPr>
+            <a:picLocks noChangeAspect="1"/>
+          </p:cNvPicPr>
+          <p:nvPr/>
+        </p:nvPicPr>
+        <p:blipFill>
+          <a:blip r:embed="rId4">
+            <a:extLst>
+              <a:ext uri="{28A0092B-C50C-407E-A947-70E740481C1C}">
+                <a14:useLocalDpi xmlns:a14="http://schemas.microsoft.com/office/drawing/2010/main" val="0"/>
+              </a:ext>
+              <a:ext uri="{96DAC541-7B7A-43D3-8B79-37D633B846F1}">
+                <asvg:svgBlip xmlns:asvg="http://schemas.microsoft.com/office/drawing/2016/SVG/main" r:embed="rId5"/>
+              </a:ext>
+            </a:extLst>
+          </a:blip>
+          <a:stretch>
+            <a:fillRect/>
+          </a:stretch>
+        </p:blipFill>
+        <p:spPr>
+          <a:xfrm>
+            <a:off x="387348" y="1628203"/>
+            <a:ext cx="2204254" cy="2204254"/>
+          </a:xfrm>
+          <a:prstGeom prst="rect">
+            <a:avLst/>
+          </a:prstGeom>
+        </p:spPr>
+      </p:pic>
+    </p:spTree>
+    <p:extLst>
+      <p:ext uri="{BB962C8B-B14F-4D97-AF65-F5344CB8AC3E}">
+        <p14:creationId xmlns:p14="http://schemas.microsoft.com/office/powerpoint/2010/main" val="315333125"/>
+      </p:ext>
+    </p:extLst>
+  </p:cSld>
+  <p:clrMapOvr>
+    <a:masterClrMapping/>
+  </p:clrMapOvr>
+</p:sld>
+</file>
+
+<file path=ppt/slides/slide21.xml><?xml version="1.0" encoding="utf-8"?>
+<p:sld xmlns:a="http://schemas.openxmlformats.org/drawingml/2006/main" xmlns:r="http://schemas.openxmlformats.org/officeDocument/2006/relationships" xmlns:p="http://schemas.openxmlformats.org/presentationml/2006/main">
+  <p:cSld>
+    <p:spTree>
+      <p:nvGrpSpPr>
+        <p:cNvPr id="1" name=""/>
+        <p:cNvGrpSpPr/>
+        <p:nvPr/>
+      </p:nvGrpSpPr>
+      <p:grpSpPr>
+        <a:xfrm>
+          <a:off x="0" y="0"/>
+          <a:ext cx="0" cy="0"/>
+          <a:chOff x="0" y="0"/>
+          <a:chExt cx="0" cy="0"/>
+        </a:xfrm>
+      </p:grpSpPr>
+      <p:sp>
+        <p:nvSpPr>
+          <p:cNvPr id="7" name="Titel 6"/>
+          <p:cNvSpPr>
+            <a:spLocks noGrp="1"/>
+          </p:cNvSpPr>
+          <p:nvPr>
+            <p:ph type="title"/>
+          </p:nvPr>
+        </p:nvSpPr>
+        <p:spPr/>
+        <p:txBody>
+          <a:bodyPr/>
+          <a:lstStyle/>
+          <a:p>
+            <a:r>
               <a:rPr lang="de-AT" dirty="0"/>
               <a:t>Teil 2</a:t>
             </a:r>
@@ -11951,7 +12076,7 @@
 </p:sld>
 </file>
 
-<file path=ppt/slides/slide21.xml><?xml version="1.0" encoding="utf-8"?>
+<file path=ppt/slides/slide22.xml><?xml version="1.0" encoding="utf-8"?>
 <p:sld xmlns:a="http://schemas.openxmlformats.org/drawingml/2006/main" xmlns:r="http://schemas.openxmlformats.org/officeDocument/2006/relationships" xmlns:p="http://schemas.openxmlformats.org/presentationml/2006/main">
   <p:cSld>
     <p:spTree>
@@ -12079,7 +12204,7 @@
             <a:fld id="{1206269C-C24E-4E80-9A4B-E7E19BB59A67}" type="slidenum">
               <a:rPr lang="de-AT" smtClean="0"/>
               <a:pPr/>
-              <a:t>21</a:t>
+              <a:t>22</a:t>
             </a:fld>
             <a:endParaRPr lang="de-AT" dirty="0"/>
           </a:p>
@@ -12322,7 +12447,7 @@
 </p:sld>
 </file>
 
-<file path=ppt/slides/slide22.xml><?xml version="1.0" encoding="utf-8"?>
+<file path=ppt/slides/slide23.xml><?xml version="1.0" encoding="utf-8"?>
 <p:sld xmlns:a="http://schemas.openxmlformats.org/drawingml/2006/main" xmlns:r="http://schemas.openxmlformats.org/officeDocument/2006/relationships" xmlns:p="http://schemas.openxmlformats.org/presentationml/2006/main">
   <p:cSld>
     <p:spTree>
@@ -12450,7 +12575,7 @@
             <a:fld id="{1206269C-C24E-4E80-9A4B-E7E19BB59A67}" type="slidenum">
               <a:rPr lang="de-AT" smtClean="0"/>
               <a:pPr/>
-              <a:t>22</a:t>
+              <a:t>23</a:t>
             </a:fld>
             <a:endParaRPr lang="de-AT" dirty="0"/>
           </a:p>
@@ -13056,7 +13181,7 @@
 </p:sld>
 </file>
 
-<file path=ppt/slides/slide23.xml><?xml version="1.0" encoding="utf-8"?>
+<file path=ppt/slides/slide24.xml><?xml version="1.0" encoding="utf-8"?>
 <p:sld xmlns:a="http://schemas.openxmlformats.org/drawingml/2006/main" xmlns:r="http://schemas.openxmlformats.org/officeDocument/2006/relationships" xmlns:p="http://schemas.openxmlformats.org/presentationml/2006/main">
   <p:cSld>
     <p:spTree>
@@ -13184,7 +13309,7 @@
             <a:fld id="{1206269C-C24E-4E80-9A4B-E7E19BB59A67}" type="slidenum">
               <a:rPr lang="de-AT" smtClean="0"/>
               <a:pPr/>
-              <a:t>23</a:t>
+              <a:t>24</a:t>
             </a:fld>
             <a:endParaRPr lang="de-AT" dirty="0"/>
           </a:p>
@@ -13406,7 +13531,7 @@
 </p:sld>
 </file>
 
-<file path=ppt/slides/slide24.xml><?xml version="1.0" encoding="utf-8"?>
+<file path=ppt/slides/slide25.xml><?xml version="1.0" encoding="utf-8"?>
 <p:sld xmlns:a="http://schemas.openxmlformats.org/drawingml/2006/main" xmlns:r="http://schemas.openxmlformats.org/officeDocument/2006/relationships" xmlns:p="http://schemas.openxmlformats.org/presentationml/2006/main">
   <p:cSld>
     <p:spTree>
@@ -13534,7 +13659,7 @@
             <a:fld id="{1206269C-C24E-4E80-9A4B-E7E19BB59A67}" type="slidenum">
               <a:rPr lang="de-AT" smtClean="0"/>
               <a:pPr/>
-              <a:t>24</a:t>
+              <a:t>25</a:t>
             </a:fld>
             <a:endParaRPr lang="de-AT" dirty="0"/>
           </a:p>
@@ -14303,7 +14428,7 @@
 </p:sld>
 </file>
 
-<file path=ppt/slides/slide25.xml><?xml version="1.0" encoding="utf-8"?>
+<file path=ppt/slides/slide26.xml><?xml version="1.0" encoding="utf-8"?>
 <p:sld xmlns:a="http://schemas.openxmlformats.org/drawingml/2006/main" xmlns:r="http://schemas.openxmlformats.org/officeDocument/2006/relationships" xmlns:p="http://schemas.openxmlformats.org/presentationml/2006/main">
   <p:cSld>
     <p:spTree>
@@ -14431,7 +14556,7 @@
             <a:fld id="{1206269C-C24E-4E80-9A4B-E7E19BB59A67}" type="slidenum">
               <a:rPr lang="de-AT" smtClean="0"/>
               <a:pPr/>
-              <a:t>25</a:t>
+              <a:t>26</a:t>
             </a:fld>
             <a:endParaRPr lang="de-AT" dirty="0"/>
           </a:p>
@@ -14722,7 +14847,7 @@
 </p:sld>
 </file>
 
-<file path=ppt/slides/slide26.xml><?xml version="1.0" encoding="utf-8"?>
+<file path=ppt/slides/slide27.xml><?xml version="1.0" encoding="utf-8"?>
 <p:sld xmlns:a="http://schemas.openxmlformats.org/drawingml/2006/main" xmlns:r="http://schemas.openxmlformats.org/officeDocument/2006/relationships" xmlns:p="http://schemas.openxmlformats.org/presentationml/2006/main">
   <p:cSld>
     <p:spTree>
@@ -14850,7 +14975,7 @@
             <a:fld id="{1206269C-C24E-4E80-9A4B-E7E19BB59A67}" type="slidenum">
               <a:rPr lang="de-AT" smtClean="0"/>
               <a:pPr/>
-              <a:t>26</a:t>
+              <a:t>27</a:t>
             </a:fld>
             <a:endParaRPr lang="de-AT" dirty="0"/>
           </a:p>
@@ -15107,7 +15232,7 @@
 </p:sld>
 </file>
 
-<file path=ppt/slides/slide27.xml><?xml version="1.0" encoding="utf-8"?>
+<file path=ppt/slides/slide28.xml><?xml version="1.0" encoding="utf-8"?>
 <p:sld xmlns:a="http://schemas.openxmlformats.org/drawingml/2006/main" xmlns:r="http://schemas.openxmlformats.org/officeDocument/2006/relationships" xmlns:p="http://schemas.openxmlformats.org/presentationml/2006/main">
   <p:cSld>
     <p:spTree>
@@ -15213,6 +15338,189 @@
 </file>
 
 <file path=ppt/slides/slide3.xml><?xml version="1.0" encoding="utf-8"?>
+<p:sld xmlns:a="http://schemas.openxmlformats.org/drawingml/2006/main" xmlns:r="http://schemas.openxmlformats.org/officeDocument/2006/relationships" xmlns:p="http://schemas.openxmlformats.org/presentationml/2006/main">
+  <p:cSld>
+    <p:spTree>
+      <p:nvGrpSpPr>
+        <p:cNvPr id="1" name=""/>
+        <p:cNvGrpSpPr/>
+        <p:nvPr/>
+      </p:nvGrpSpPr>
+      <p:grpSpPr>
+        <a:xfrm>
+          <a:off x="0" y="0"/>
+          <a:ext cx="0" cy="0"/>
+          <a:chOff x="0" y="0"/>
+          <a:chExt cx="0" cy="0"/>
+        </a:xfrm>
+      </p:grpSpPr>
+      <p:sp>
+        <p:nvSpPr>
+          <p:cNvPr id="7" name="Titel 6"/>
+          <p:cNvSpPr>
+            <a:spLocks noGrp="1"/>
+          </p:cNvSpPr>
+          <p:nvPr>
+            <p:ph type="title"/>
+          </p:nvPr>
+        </p:nvSpPr>
+        <p:spPr/>
+        <p:txBody>
+          <a:bodyPr/>
+          <a:lstStyle/>
+          <a:p>
+            <a:r>
+              <a:rPr lang="de-AT" dirty="0"/>
+              <a:t>Organisatorisches</a:t>
+            </a:r>
+            <a:endParaRPr lang="de-DE" dirty="0"/>
+          </a:p>
+        </p:txBody>
+      </p:sp>
+      <p:sp>
+        <p:nvSpPr>
+          <p:cNvPr id="5" name="Fußzeilenplatzhalter 4"/>
+          <p:cNvSpPr>
+            <a:spLocks noGrp="1"/>
+          </p:cNvSpPr>
+          <p:nvPr>
+            <p:ph type="ftr" sz="quarter" idx="10"/>
+          </p:nvPr>
+        </p:nvSpPr>
+        <p:spPr/>
+        <p:txBody>
+          <a:bodyPr/>
+          <a:lstStyle/>
+          <a:p>
+            <a:r>
+              <a:rPr lang="de-DE" dirty="0"/>
+              <a:t>Workshop 5: </a:t>
+            </a:r>
+            <a:r>
+              <a:rPr lang="de-DE" dirty="0" err="1"/>
+              <a:t>Advanced</a:t>
+            </a:r>
+            <a:r>
+              <a:rPr lang="de-DE" dirty="0"/>
+              <a:t> R</a:t>
+            </a:r>
+            <a:endParaRPr lang="de-AT" dirty="0"/>
+          </a:p>
+        </p:txBody>
+      </p:sp>
+      <p:sp>
+        <p:nvSpPr>
+          <p:cNvPr id="6" name="Foliennummernplatzhalter 5"/>
+          <p:cNvSpPr>
+            <a:spLocks noGrp="1"/>
+          </p:cNvSpPr>
+          <p:nvPr>
+            <p:ph type="sldNum" sz="quarter" idx="11"/>
+          </p:nvPr>
+        </p:nvSpPr>
+        <p:spPr/>
+        <p:txBody>
+          <a:bodyPr/>
+          <a:lstStyle/>
+          <a:p>
+            <a:fld id="{1206269C-C24E-4E80-9A4B-E7E19BB59A67}" type="slidenum">
+              <a:rPr lang="de-AT" smtClean="0"/>
+              <a:pPr/>
+              <a:t>3</a:t>
+            </a:fld>
+            <a:endParaRPr lang="de-AT" dirty="0"/>
+          </a:p>
+        </p:txBody>
+      </p:sp>
+      <p:pic>
+        <p:nvPicPr>
+          <p:cNvPr id="8" name="Grafik 7" descr="Prüfliste mit einfarbiger Füllung">
+            <a:extLst>
+              <a:ext uri="{FF2B5EF4-FFF2-40B4-BE49-F238E27FC236}">
+                <a16:creationId xmlns:a16="http://schemas.microsoft.com/office/drawing/2014/main" id="{C2BFA00E-B058-46CC-A82D-5D484D6ADCB6}"/>
+              </a:ext>
+            </a:extLst>
+          </p:cNvPr>
+          <p:cNvPicPr>
+            <a:picLocks noChangeAspect="1"/>
+          </p:cNvPicPr>
+          <p:nvPr/>
+        </p:nvPicPr>
+        <p:blipFill>
+          <a:blip r:embed="rId2">
+            <a:extLst>
+              <a:ext uri="{28A0092B-C50C-407E-A947-70E740481C1C}">
+                <a14:useLocalDpi xmlns:a14="http://schemas.microsoft.com/office/drawing/2010/main" val="0"/>
+              </a:ext>
+              <a:ext uri="{96DAC541-7B7A-43D3-8B79-37D633B846F1}">
+                <asvg:svgBlip xmlns:asvg="http://schemas.microsoft.com/office/drawing/2016/SVG/main" r:embed="rId3"/>
+              </a:ext>
+            </a:extLst>
+          </a:blip>
+          <a:stretch>
+            <a:fillRect/>
+          </a:stretch>
+        </p:blipFill>
+        <p:spPr>
+          <a:xfrm>
+            <a:off x="387350" y="1859143"/>
+            <a:ext cx="2203450" cy="2203450"/>
+          </a:xfrm>
+          <a:prstGeom prst="rect">
+            <a:avLst/>
+          </a:prstGeom>
+        </p:spPr>
+      </p:pic>
+      <p:pic>
+        <p:nvPicPr>
+          <p:cNvPr id="10" name="Grafik 9" descr="Ein Bild, das Tisch enthält.&#10;&#10;Automatisch generierte Beschreibung">
+            <a:extLst>
+              <a:ext uri="{FF2B5EF4-FFF2-40B4-BE49-F238E27FC236}">
+                <a16:creationId xmlns:a16="http://schemas.microsoft.com/office/drawing/2014/main" id="{424F160D-DDE2-4F61-91BB-E9D448692332}"/>
+              </a:ext>
+            </a:extLst>
+          </p:cNvPr>
+          <p:cNvPicPr>
+            <a:picLocks noChangeAspect="1"/>
+          </p:cNvPicPr>
+          <p:nvPr/>
+        </p:nvPicPr>
+        <p:blipFill>
+          <a:blip r:embed="rId4">
+            <a:extLst>
+              <a:ext uri="{28A0092B-C50C-407E-A947-70E740481C1C}">
+                <a14:useLocalDpi xmlns:a14="http://schemas.microsoft.com/office/drawing/2010/main" val="0"/>
+              </a:ext>
+            </a:extLst>
+          </a:blip>
+          <a:stretch>
+            <a:fillRect/>
+          </a:stretch>
+        </p:blipFill>
+        <p:spPr>
+          <a:xfrm>
+            <a:off x="3279828" y="153223"/>
+            <a:ext cx="4305593" cy="4837054"/>
+          </a:xfrm>
+          <a:prstGeom prst="rect">
+            <a:avLst/>
+          </a:prstGeom>
+        </p:spPr>
+      </p:pic>
+    </p:spTree>
+    <p:extLst>
+      <p:ext uri="{BB962C8B-B14F-4D97-AF65-F5344CB8AC3E}">
+        <p14:creationId xmlns:p14="http://schemas.microsoft.com/office/powerpoint/2010/main" val="2365433870"/>
+      </p:ext>
+    </p:extLst>
+  </p:cSld>
+  <p:clrMapOvr>
+    <a:masterClrMapping/>
+  </p:clrMapOvr>
+</p:sld>
+</file>
+
+<file path=ppt/slides/slide4.xml><?xml version="1.0" encoding="utf-8"?>
 <p:sld xmlns:a="http://schemas.openxmlformats.org/drawingml/2006/main" xmlns:r="http://schemas.openxmlformats.org/officeDocument/2006/relationships" xmlns:p="http://schemas.openxmlformats.org/presentationml/2006/main" show="0">
   <p:cSld>
     <p:spTree>
@@ -15301,7 +15609,7 @@
             <a:fld id="{1206269C-C24E-4E80-9A4B-E7E19BB59A67}" type="slidenum">
               <a:rPr lang="de-AT" smtClean="0"/>
               <a:pPr/>
-              <a:t>3</a:t>
+              <a:t>4</a:t>
             </a:fld>
             <a:endParaRPr lang="de-AT" dirty="0"/>
           </a:p>
@@ -15389,7 +15697,7 @@
 </p:sld>
 </file>
 
-<file path=ppt/slides/slide4.xml><?xml version="1.0" encoding="utf-8"?>
+<file path=ppt/slides/slide5.xml><?xml version="1.0" encoding="utf-8"?>
 <p:sld xmlns:a="http://schemas.openxmlformats.org/drawingml/2006/main" xmlns:r="http://schemas.openxmlformats.org/officeDocument/2006/relationships" xmlns:p="http://schemas.openxmlformats.org/presentationml/2006/main">
   <p:cSld>
     <p:spTree>
@@ -15517,7 +15825,7 @@
             <a:fld id="{1206269C-C24E-4E80-9A4B-E7E19BB59A67}" type="slidenum">
               <a:rPr lang="de-AT" smtClean="0"/>
               <a:pPr/>
-              <a:t>4</a:t>
+              <a:t>5</a:t>
             </a:fld>
             <a:endParaRPr lang="de-AT" dirty="0"/>
           </a:p>
@@ -15740,7 +16048,7 @@
 </p:sld>
 </file>
 
-<file path=ppt/slides/slide5.xml><?xml version="1.0" encoding="utf-8"?>
+<file path=ppt/slides/slide6.xml><?xml version="1.0" encoding="utf-8"?>
 <p:sld xmlns:a="http://schemas.openxmlformats.org/drawingml/2006/main" xmlns:r="http://schemas.openxmlformats.org/officeDocument/2006/relationships" xmlns:p="http://schemas.openxmlformats.org/presentationml/2006/main">
   <p:cSld>
     <p:spTree>
@@ -15829,7 +16137,7 @@
             <a:fld id="{1206269C-C24E-4E80-9A4B-E7E19BB59A67}" type="slidenum">
               <a:rPr lang="de-AT" smtClean="0"/>
               <a:pPr/>
-              <a:t>5</a:t>
+              <a:t>6</a:t>
             </a:fld>
             <a:endParaRPr lang="de-AT" dirty="0"/>
           </a:p>
@@ -16024,7 +16332,7 @@
 </p:sld>
 </file>
 
-<file path=ppt/slides/slide6.xml><?xml version="1.0" encoding="utf-8"?>
+<file path=ppt/slides/slide7.xml><?xml version="1.0" encoding="utf-8"?>
 <p:sld xmlns:a="http://schemas.openxmlformats.org/drawingml/2006/main" xmlns:r="http://schemas.openxmlformats.org/officeDocument/2006/relationships" xmlns:p="http://schemas.openxmlformats.org/presentationml/2006/main">
   <p:cSld>
     <p:spTree>
@@ -16113,7 +16421,7 @@
             <a:fld id="{1206269C-C24E-4E80-9A4B-E7E19BB59A67}" type="slidenum">
               <a:rPr lang="de-AT" smtClean="0"/>
               <a:pPr/>
-              <a:t>6</a:t>
+              <a:t>7</a:t>
             </a:fld>
             <a:endParaRPr lang="de-AT" dirty="0"/>
           </a:p>
@@ -16443,7 +16751,7 @@
 </p:sld>
 </file>
 
-<file path=ppt/slides/slide7.xml><?xml version="1.0" encoding="utf-8"?>
+<file path=ppt/slides/slide8.xml><?xml version="1.0" encoding="utf-8"?>
 <p:sld xmlns:a="http://schemas.openxmlformats.org/drawingml/2006/main" xmlns:r="http://schemas.openxmlformats.org/officeDocument/2006/relationships" xmlns:p="http://schemas.openxmlformats.org/presentationml/2006/main">
   <p:cSld>
     <p:spTree>
@@ -16532,7 +16840,7 @@
             <a:fld id="{1206269C-C24E-4E80-9A4B-E7E19BB59A67}" type="slidenum">
               <a:rPr lang="de-AT" smtClean="0"/>
               <a:pPr/>
-              <a:t>7</a:t>
+              <a:t>8</a:t>
             </a:fld>
             <a:endParaRPr lang="de-AT" dirty="0"/>
           </a:p>
@@ -16825,7 +17133,7 @@
 </p:sld>
 </file>
 
-<file path=ppt/slides/slide8.xml><?xml version="1.0" encoding="utf-8"?>
+<file path=ppt/slides/slide9.xml><?xml version="1.0" encoding="utf-8"?>
 <p:sld xmlns:a="http://schemas.openxmlformats.org/drawingml/2006/main" xmlns:r="http://schemas.openxmlformats.org/officeDocument/2006/relationships" xmlns:p="http://schemas.openxmlformats.org/presentationml/2006/main">
   <p:cSld>
     <p:spTree>
@@ -16914,7 +17222,7 @@
             <a:fld id="{1206269C-C24E-4E80-9A4B-E7E19BB59A67}" type="slidenum">
               <a:rPr lang="de-AT" smtClean="0"/>
               <a:pPr/>
-              <a:t>8</a:t>
+              <a:t>9</a:t>
             </a:fld>
             <a:endParaRPr lang="de-AT" dirty="0"/>
           </a:p>
@@ -17043,364 +17351,6 @@
     <p:extLst>
       <p:ext uri="{BB962C8B-B14F-4D97-AF65-F5344CB8AC3E}">
         <p14:creationId xmlns:p14="http://schemas.microsoft.com/office/powerpoint/2010/main" val="4061988882"/>
-      </p:ext>
-    </p:extLst>
-  </p:cSld>
-  <p:clrMapOvr>
-    <a:masterClrMapping/>
-  </p:clrMapOvr>
-</p:sld>
-</file>
-
-<file path=ppt/slides/slide9.xml><?xml version="1.0" encoding="utf-8"?>
-<p:sld xmlns:a="http://schemas.openxmlformats.org/drawingml/2006/main" xmlns:r="http://schemas.openxmlformats.org/officeDocument/2006/relationships" xmlns:p="http://schemas.openxmlformats.org/presentationml/2006/main">
-  <p:cSld>
-    <p:spTree>
-      <p:nvGrpSpPr>
-        <p:cNvPr id="1" name=""/>
-        <p:cNvGrpSpPr/>
-        <p:nvPr/>
-      </p:nvGrpSpPr>
-      <p:grpSpPr>
-        <a:xfrm>
-          <a:off x="0" y="0"/>
-          <a:ext cx="0" cy="0"/>
-          <a:chOff x="0" y="0"/>
-          <a:chExt cx="0" cy="0"/>
-        </a:xfrm>
-      </p:grpSpPr>
-      <p:sp>
-        <p:nvSpPr>
-          <p:cNvPr id="7" name="Titel 6"/>
-          <p:cNvSpPr>
-            <a:spLocks noGrp="1"/>
-          </p:cNvSpPr>
-          <p:nvPr>
-            <p:ph type="title"/>
-          </p:nvPr>
-        </p:nvSpPr>
-        <p:spPr/>
-        <p:txBody>
-          <a:bodyPr/>
-          <a:lstStyle/>
-          <a:p>
-            <a:r>
-              <a:rPr lang="de-AT" dirty="0"/>
-              <a:t>Ressourcen</a:t>
-            </a:r>
-            <a:endParaRPr lang="de-DE" dirty="0"/>
-          </a:p>
-        </p:txBody>
-      </p:sp>
-      <p:sp>
-        <p:nvSpPr>
-          <p:cNvPr id="5" name="Fußzeilenplatzhalter 4"/>
-          <p:cNvSpPr>
-            <a:spLocks noGrp="1"/>
-          </p:cNvSpPr>
-          <p:nvPr>
-            <p:ph type="ftr" sz="quarter" idx="10"/>
-          </p:nvPr>
-        </p:nvSpPr>
-        <p:spPr/>
-        <p:txBody>
-          <a:bodyPr/>
-          <a:lstStyle/>
-          <a:p>
-            <a:r>
-              <a:rPr lang="de-DE" dirty="0"/>
-              <a:t>Workshop 5: </a:t>
-            </a:r>
-            <a:r>
-              <a:rPr lang="de-DE" dirty="0" err="1"/>
-              <a:t>Advanced</a:t>
-            </a:r>
-            <a:r>
-              <a:rPr lang="de-DE" dirty="0"/>
-              <a:t> R</a:t>
-            </a:r>
-            <a:endParaRPr lang="de-AT" dirty="0"/>
-          </a:p>
-        </p:txBody>
-      </p:sp>
-      <p:sp>
-        <p:nvSpPr>
-          <p:cNvPr id="6" name="Foliennummernplatzhalter 5"/>
-          <p:cNvSpPr>
-            <a:spLocks noGrp="1"/>
-          </p:cNvSpPr>
-          <p:nvPr>
-            <p:ph type="sldNum" sz="quarter" idx="11"/>
-          </p:nvPr>
-        </p:nvSpPr>
-        <p:spPr/>
-        <p:txBody>
-          <a:bodyPr/>
-          <a:lstStyle/>
-          <a:p>
-            <a:fld id="{1206269C-C24E-4E80-9A4B-E7E19BB59A67}" type="slidenum">
-              <a:rPr lang="de-AT" smtClean="0"/>
-              <a:pPr/>
-              <a:t>9</a:t>
-            </a:fld>
-            <a:endParaRPr lang="de-AT" dirty="0"/>
-          </a:p>
-        </p:txBody>
-      </p:sp>
-      <p:sp>
-        <p:nvSpPr>
-          <p:cNvPr id="3" name="Textplatzhalter 2"/>
-          <p:cNvSpPr>
-            <a:spLocks noGrp="1"/>
-          </p:cNvSpPr>
-          <p:nvPr>
-            <p:ph type="body" sz="quarter" idx="14"/>
-          </p:nvPr>
-        </p:nvSpPr>
-        <p:spPr>
-          <a:xfrm>
-            <a:off x="2419350" y="1630800"/>
-            <a:ext cx="6099175" cy="2977200"/>
-          </a:xfrm>
-        </p:spPr>
-        <p:txBody>
-          <a:bodyPr>
-            <a:normAutofit fontScale="70000" lnSpcReduction="20000"/>
-          </a:bodyPr>
-          <a:lstStyle/>
-          <a:p>
-            <a:pPr marL="0" indent="0">
-              <a:buNone/>
-            </a:pPr>
-            <a:r>
-              <a:rPr lang="de-AT" dirty="0">
-                <a:solidFill>
-                  <a:srgbClr val="E6320F"/>
-                </a:solidFill>
-              </a:rPr>
-              <a:t>[Fun] Facts</a:t>
-            </a:r>
-          </a:p>
-          <a:p>
-            <a:r>
-              <a:rPr lang="en-US" sz="2000" dirty="0"/>
-              <a:t>CRAN “What’s new?” (</a:t>
-            </a:r>
-            <a:r>
-              <a:rPr lang="en-US" sz="2000" dirty="0">
-                <a:hlinkClick r:id="rId3"/>
-              </a:rPr>
-              <a:t>https://www.r-project.org/news.html</a:t>
-            </a:r>
-            <a:r>
-              <a:rPr lang="en-US" sz="2000" dirty="0"/>
-              <a:t>)</a:t>
-            </a:r>
-          </a:p>
-          <a:p>
-            <a:pPr lvl="1"/>
-            <a:r>
-              <a:rPr lang="en-US" sz="2000" dirty="0"/>
-              <a:t>R-Mailing Lists (</a:t>
-            </a:r>
-            <a:r>
-              <a:rPr lang="en-US" sz="2000" dirty="0">
-                <a:hlinkClick r:id="rId4"/>
-              </a:rPr>
-              <a:t>https://www.r-project.org/mail.html</a:t>
-            </a:r>
-            <a:r>
-              <a:rPr lang="en-US" sz="2000" dirty="0"/>
-              <a:t>) </a:t>
-            </a:r>
-          </a:p>
-          <a:p>
-            <a:pPr lvl="1"/>
-            <a:r>
-              <a:rPr lang="en-US" sz="2000" dirty="0"/>
-              <a:t>R-Version Log (</a:t>
-            </a:r>
-            <a:r>
-              <a:rPr lang="en-US" sz="2000" dirty="0">
-                <a:hlinkClick r:id="rId5"/>
-              </a:rPr>
-              <a:t>https://cran.r-project.org/doc/manuals/r-release/NEWS.html</a:t>
-            </a:r>
-            <a:r>
-              <a:rPr lang="en-US" sz="2000" dirty="0"/>
-              <a:t>)</a:t>
-            </a:r>
-          </a:p>
-          <a:p>
-            <a:r>
-              <a:rPr lang="en-US" sz="2000" dirty="0"/>
-              <a:t>CRAN Task Views (</a:t>
-            </a:r>
-            <a:r>
-              <a:rPr lang="en-US" sz="2000" dirty="0">
-                <a:hlinkClick r:id="rId6"/>
-              </a:rPr>
-              <a:t>https://cran.r-project.org/web/views/</a:t>
-            </a:r>
-            <a:r>
-              <a:rPr lang="en-US" sz="2000" dirty="0"/>
-              <a:t>)</a:t>
-            </a:r>
-          </a:p>
-          <a:p>
-            <a:r>
-              <a:rPr lang="en-US" sz="2000" dirty="0"/>
-              <a:t>user! 2022 (</a:t>
-            </a:r>
-            <a:r>
-              <a:rPr lang="en-US" sz="2000" dirty="0">
-                <a:hlinkClick r:id="rId7"/>
-              </a:rPr>
-              <a:t>https://user2022.r-project.org/</a:t>
-            </a:r>
-            <a:r>
-              <a:rPr lang="en-US" sz="2000" dirty="0"/>
-              <a:t>)</a:t>
-            </a:r>
-          </a:p>
-          <a:p>
-            <a:r>
-              <a:rPr lang="en-US" sz="2000" dirty="0"/>
-              <a:t>Twitter: (</a:t>
-            </a:r>
-            <a:r>
-              <a:rPr lang="en-US" sz="2000" dirty="0">
-                <a:hlinkClick r:id="rId8"/>
-              </a:rPr>
-              <a:t>https://twitter.com/search?q=%23rstats</a:t>
-            </a:r>
-            <a:r>
-              <a:rPr lang="en-US" sz="2000" dirty="0"/>
-              <a:t>)</a:t>
-            </a:r>
-          </a:p>
-          <a:p>
-            <a:pPr lvl="1"/>
-            <a:r>
-              <a:rPr lang="en-US" sz="2000" dirty="0" err="1"/>
-              <a:t>Rstats</a:t>
-            </a:r>
-            <a:r>
-              <a:rPr lang="en-US" sz="2000" dirty="0"/>
-              <a:t> Question A Day (</a:t>
-            </a:r>
-            <a:r>
-              <a:rPr lang="en-US" sz="2000" dirty="0">
-                <a:hlinkClick r:id="rId9"/>
-              </a:rPr>
-              <a:t>https://twitter.com/data_question</a:t>
-            </a:r>
-            <a:r>
-              <a:rPr lang="en-US" sz="2000" dirty="0"/>
-              <a:t>)</a:t>
-            </a:r>
-          </a:p>
-          <a:p>
-            <a:pPr lvl="1"/>
-            <a:r>
-              <a:rPr lang="en-US" sz="2000" dirty="0"/>
-              <a:t>One R Tip a Day (</a:t>
-            </a:r>
-            <a:r>
-              <a:rPr lang="en-US" sz="2000" dirty="0">
-                <a:hlinkClick r:id="rId10"/>
-              </a:rPr>
-              <a:t>https://twitter.com/RLangTip</a:t>
-            </a:r>
-            <a:r>
-              <a:rPr lang="en-US" sz="2000" dirty="0"/>
-              <a:t>)  </a:t>
-            </a:r>
-          </a:p>
-          <a:p>
-            <a:r>
-              <a:rPr lang="en-US" sz="2000" dirty="0"/>
-              <a:t>R-bloggers (</a:t>
-            </a:r>
-            <a:r>
-              <a:rPr lang="en-US" sz="2000" dirty="0">
-                <a:hlinkClick r:id="rId11"/>
-              </a:rPr>
-              <a:t>https://www.r-bloggers.com/</a:t>
-            </a:r>
-            <a:r>
-              <a:rPr lang="en-US" sz="2000" dirty="0"/>
-              <a:t>)</a:t>
-            </a:r>
-          </a:p>
-          <a:p>
-            <a:r>
-              <a:rPr lang="en-US" sz="2000" dirty="0"/>
-              <a:t>RSS-Feed R Weekly (</a:t>
-            </a:r>
-            <a:r>
-              <a:rPr lang="en-US" sz="2000" dirty="0">
-                <a:hlinkClick r:id="rId12"/>
-              </a:rPr>
-              <a:t>https://rweekly.org/2022-W26.html</a:t>
-            </a:r>
-            <a:r>
-              <a:rPr lang="en-US" sz="2000" dirty="0"/>
-              <a:t>)</a:t>
-            </a:r>
-            <a:endParaRPr lang="en-US" dirty="0"/>
-          </a:p>
-          <a:p>
-            <a:endParaRPr lang="en-US" sz="1800" dirty="0"/>
-          </a:p>
-          <a:p>
-            <a:endParaRPr lang="de-AT" dirty="0"/>
-          </a:p>
-        </p:txBody>
-      </p:sp>
-      <p:pic>
-        <p:nvPicPr>
-          <p:cNvPr id="8" name="Grafik 7" descr="Bücher im Regal mit einfarbiger Füllung">
-            <a:extLst>
-              <a:ext uri="{FF2B5EF4-FFF2-40B4-BE49-F238E27FC236}">
-                <a16:creationId xmlns:a16="http://schemas.microsoft.com/office/drawing/2014/main" id="{71D641F5-AF89-4C64-ADFB-A700B6A6C2DD}"/>
-              </a:ext>
-            </a:extLst>
-          </p:cNvPr>
-          <p:cNvPicPr>
-            <a:picLocks noChangeAspect="1"/>
-          </p:cNvPicPr>
-          <p:nvPr/>
-        </p:nvPicPr>
-        <p:blipFill>
-          <a:blip r:embed="rId13">
-            <a:extLst>
-              <a:ext uri="{28A0092B-C50C-407E-A947-70E740481C1C}">
-                <a14:useLocalDpi xmlns:a14="http://schemas.microsoft.com/office/drawing/2010/main" val="0"/>
-              </a:ext>
-              <a:ext uri="{96DAC541-7B7A-43D3-8B79-37D633B846F1}">
-                <asvg:svgBlip xmlns:asvg="http://schemas.microsoft.com/office/drawing/2016/SVG/main" r:embed="rId14"/>
-              </a:ext>
-            </a:extLst>
-          </a:blip>
-          <a:stretch>
-            <a:fillRect/>
-          </a:stretch>
-        </p:blipFill>
-        <p:spPr>
-          <a:xfrm>
-            <a:off x="387348" y="1676890"/>
-            <a:ext cx="2036693" cy="2036693"/>
-          </a:xfrm>
-          <a:prstGeom prst="rect">
-            <a:avLst/>
-          </a:prstGeom>
-        </p:spPr>
-      </p:pic>
-    </p:spTree>
-    <p:extLst>
-      <p:ext uri="{BB962C8B-B14F-4D97-AF65-F5344CB8AC3E}">
-        <p14:creationId xmlns:p14="http://schemas.microsoft.com/office/powerpoint/2010/main" val="2369368844"/>
       </p:ext>
     </p:extLst>
   </p:cSld>
@@ -18221,15 +18171,6 @@
 </file>
 
 <file path=customXml/item1.xml><?xml version="1.0" encoding="utf-8"?>
-<?mso-contentType ?>
-<FormTemplates xmlns="http://schemas.microsoft.com/sharepoint/v3/contenttype/forms">
-  <Display>DocumentLibraryForm</Display>
-  <Edit>DocumentLibraryForm</Edit>
-  <New>DocumentLibraryForm</New>
-</FormTemplates>
-</file>
-
-<file path=customXml/item2.xml><?xml version="1.0" encoding="utf-8"?>
 <ct:contentTypeSchema xmlns:ct="http://schemas.microsoft.com/office/2006/metadata/contentType" xmlns:ma="http://schemas.microsoft.com/office/2006/metadata/properties/metaAttributes" ct:_="" ma:_="" ma:contentTypeName="Dokument" ma:contentTypeID="0x010100AE02DDE52198804DB530C0F5F5534535" ma:contentTypeVersion="10" ma:contentTypeDescription="Ein neues Dokument erstellen." ma:contentTypeScope="" ma:versionID="9ca003495d6e5d270b6c428a93e16210">
   <xsd:schema xmlns:xsd="http://www.w3.org/2001/XMLSchema" xmlns:xs="http://www.w3.org/2001/XMLSchema" xmlns:p="http://schemas.microsoft.com/office/2006/metadata/properties" xmlns:ns3="a9214ec9-b16f-467d-8930-8c60957002bb" xmlns:ns4="ce844794-c805-4cad-85c0-a78fe04beb49" targetNamespace="http://schemas.microsoft.com/office/2006/metadata/properties" ma:root="true" ma:fieldsID="dc6522f6239bf6144e88413f93ef5dbf" ns3:_="" ns4:_="">
     <xsd:import namespace="a9214ec9-b16f-467d-8930-8c60957002bb"/>
@@ -18432,6 +18373,15 @@
 </ct:contentTypeSchema>
 </file>
 
+<file path=customXml/item2.xml><?xml version="1.0" encoding="utf-8"?>
+<?mso-contentType ?>
+<FormTemplates xmlns="http://schemas.microsoft.com/sharepoint/v3/contenttype/forms">
+  <Display>DocumentLibraryForm</Display>
+  <Edit>DocumentLibraryForm</Edit>
+  <New>DocumentLibraryForm</New>
+</FormTemplates>
+</file>
+
 <file path=customXml/item3.xml><?xml version="1.0" encoding="utf-8"?>
 <p:properties xmlns:p="http://schemas.microsoft.com/office/2006/metadata/properties" xmlns:xsi="http://www.w3.org/2001/XMLSchema-instance" xmlns:pc="http://schemas.microsoft.com/office/infopath/2007/PartnerControls">
   <documentManagement/>
@@ -18439,14 +18389,6 @@
 </file>
 
 <file path=customXml/itemProps1.xml><?xml version="1.0" encoding="utf-8"?>
-<ds:datastoreItem xmlns:ds="http://schemas.openxmlformats.org/officeDocument/2006/customXml" ds:itemID="{0EB910BF-2738-4C90-88BF-76509022B2A4}">
-  <ds:schemaRefs>
-    <ds:schemaRef ds:uri="http://schemas.microsoft.com/sharepoint/v3/contenttype/forms"/>
-  </ds:schemaRefs>
-</ds:datastoreItem>
-</file>
-
-<file path=customXml/itemProps2.xml><?xml version="1.0" encoding="utf-8"?>
 <ds:datastoreItem xmlns:ds="http://schemas.openxmlformats.org/officeDocument/2006/customXml" ds:itemID="{CF3BA3B8-EF85-497A-8B90-9A6C588D6168}">
   <ds:schemaRefs>
     <ds:schemaRef ds:uri="http://schemas.microsoft.com/office/2006/metadata/contentType"/>
@@ -18461,6 +18403,14 @@
     <ds:schemaRef ds:uri="http://purl.org/dc/elements/1.1/"/>
     <ds:schemaRef ds:uri="http://purl.org/dc/terms/"/>
     <ds:schemaRef ds:uri="http://schemas.microsoft.com/internal/obd"/>
+  </ds:schemaRefs>
+</ds:datastoreItem>
+</file>
+
+<file path=customXml/itemProps2.xml><?xml version="1.0" encoding="utf-8"?>
+<ds:datastoreItem xmlns:ds="http://schemas.openxmlformats.org/officeDocument/2006/customXml" ds:itemID="{0EB910BF-2738-4C90-88BF-76509022B2A4}">
+  <ds:schemaRefs>
+    <ds:schemaRef ds:uri="http://schemas.microsoft.com/sharepoint/v3/contenttype/forms"/>
   </ds:schemaRefs>
 </ds:datastoreItem>
 </file>

--- a/Folien/WS5_Advanced-R.pptx
+++ b/Folien/WS5_Advanced-R.pptx
@@ -262,7 +262,7 @@
           <a:p>
             <a:fld id="{A4F87B00-D7D7-4E73-88E5-5DF5797B2681}" type="datetimeFigureOut">
               <a:rPr lang="de-AT" smtClean="0"/>
-              <a:t>06.07.2022</a:t>
+              <a:t>11.07.2022</a:t>
             </a:fld>
             <a:endParaRPr lang="de-AT" dirty="0"/>
           </a:p>
@@ -462,7 +462,7 @@
           <a:p>
             <a:fld id="{64F923B6-97FF-4AF0-A17D-1758840DBBE2}" type="datetimeFigureOut">
               <a:rPr lang="de-AT" smtClean="0"/>
-              <a:t>06.07.2022</a:t>
+              <a:t>11.07.2022</a:t>
             </a:fld>
             <a:endParaRPr lang="de-AT"/>
           </a:p>
@@ -12711,7 +12711,19 @@
                 <a:latin typeface="Courier New" panose="02070309020205020404" pitchFamily="49" charset="0"/>
                 <a:cs typeface="Courier New" panose="02070309020205020404" pitchFamily="49" charset="0"/>
               </a:rPr>
-              <a:t>"), inherits = FALSE)</a:t>
+              <a:t>"), inherits </a:t>
+            </a:r>
+            <a:r>
+              <a:rPr lang="en-US">
+                <a:solidFill>
+                  <a:schemeClr val="bg1">
+                    <a:lumMod val="50000"/>
+                  </a:schemeClr>
+                </a:solidFill>
+                <a:latin typeface="Courier New" panose="02070309020205020404" pitchFamily="49" charset="0"/>
+                <a:cs typeface="Courier New" panose="02070309020205020404" pitchFamily="49" charset="0"/>
+              </a:rPr>
+              <a:t>= TRUE)</a:t>
             </a:r>
             <a:br>
               <a:rPr lang="en-US" dirty="0">
@@ -18171,6 +18183,15 @@
 </file>
 
 <file path=customXml/item1.xml><?xml version="1.0" encoding="utf-8"?>
+<?mso-contentType ?>
+<FormTemplates xmlns="http://schemas.microsoft.com/sharepoint/v3/contenttype/forms">
+  <Display>DocumentLibraryForm</Display>
+  <Edit>DocumentLibraryForm</Edit>
+  <New>DocumentLibraryForm</New>
+</FormTemplates>
+</file>
+
+<file path=customXml/item2.xml><?xml version="1.0" encoding="utf-8"?>
 <ct:contentTypeSchema xmlns:ct="http://schemas.microsoft.com/office/2006/metadata/contentType" xmlns:ma="http://schemas.microsoft.com/office/2006/metadata/properties/metaAttributes" ct:_="" ma:_="" ma:contentTypeName="Dokument" ma:contentTypeID="0x010100AE02DDE52198804DB530C0F5F5534535" ma:contentTypeVersion="10" ma:contentTypeDescription="Ein neues Dokument erstellen." ma:contentTypeScope="" ma:versionID="9ca003495d6e5d270b6c428a93e16210">
   <xsd:schema xmlns:xsd="http://www.w3.org/2001/XMLSchema" xmlns:xs="http://www.w3.org/2001/XMLSchema" xmlns:p="http://schemas.microsoft.com/office/2006/metadata/properties" xmlns:ns3="a9214ec9-b16f-467d-8930-8c60957002bb" xmlns:ns4="ce844794-c805-4cad-85c0-a78fe04beb49" targetNamespace="http://schemas.microsoft.com/office/2006/metadata/properties" ma:root="true" ma:fieldsID="dc6522f6239bf6144e88413f93ef5dbf" ns3:_="" ns4:_="">
     <xsd:import namespace="a9214ec9-b16f-467d-8930-8c60957002bb"/>
@@ -18373,15 +18394,6 @@
 </ct:contentTypeSchema>
 </file>
 
-<file path=customXml/item2.xml><?xml version="1.0" encoding="utf-8"?>
-<?mso-contentType ?>
-<FormTemplates xmlns="http://schemas.microsoft.com/sharepoint/v3/contenttype/forms">
-  <Display>DocumentLibraryForm</Display>
-  <Edit>DocumentLibraryForm</Edit>
-  <New>DocumentLibraryForm</New>
-</FormTemplates>
-</file>
-
 <file path=customXml/item3.xml><?xml version="1.0" encoding="utf-8"?>
 <p:properties xmlns:p="http://schemas.microsoft.com/office/2006/metadata/properties" xmlns:xsi="http://www.w3.org/2001/XMLSchema-instance" xmlns:pc="http://schemas.microsoft.com/office/infopath/2007/PartnerControls">
   <documentManagement/>
@@ -18389,6 +18401,14 @@
 </file>
 
 <file path=customXml/itemProps1.xml><?xml version="1.0" encoding="utf-8"?>
+<ds:datastoreItem xmlns:ds="http://schemas.openxmlformats.org/officeDocument/2006/customXml" ds:itemID="{0EB910BF-2738-4C90-88BF-76509022B2A4}">
+  <ds:schemaRefs>
+    <ds:schemaRef ds:uri="http://schemas.microsoft.com/sharepoint/v3/contenttype/forms"/>
+  </ds:schemaRefs>
+</ds:datastoreItem>
+</file>
+
+<file path=customXml/itemProps2.xml><?xml version="1.0" encoding="utf-8"?>
 <ds:datastoreItem xmlns:ds="http://schemas.openxmlformats.org/officeDocument/2006/customXml" ds:itemID="{CF3BA3B8-EF85-497A-8B90-9A6C588D6168}">
   <ds:schemaRefs>
     <ds:schemaRef ds:uri="http://schemas.microsoft.com/office/2006/metadata/contentType"/>
@@ -18403,14 +18423,6 @@
     <ds:schemaRef ds:uri="http://purl.org/dc/elements/1.1/"/>
     <ds:schemaRef ds:uri="http://purl.org/dc/terms/"/>
     <ds:schemaRef ds:uri="http://schemas.microsoft.com/internal/obd"/>
-  </ds:schemaRefs>
-</ds:datastoreItem>
-</file>
-
-<file path=customXml/itemProps2.xml><?xml version="1.0" encoding="utf-8"?>
-<ds:datastoreItem xmlns:ds="http://schemas.openxmlformats.org/officeDocument/2006/customXml" ds:itemID="{0EB910BF-2738-4C90-88BF-76509022B2A4}">
-  <ds:schemaRefs>
-    <ds:schemaRef ds:uri="http://schemas.microsoft.com/sharepoint/v3/contenttype/forms"/>
   </ds:schemaRefs>
 </ds:datastoreItem>
 </file>
